--- a/UnityLauncher/Unity_AndroidJar.pptx
+++ b/UnityLauncher/Unity_AndroidJar.pptx
@@ -5,7 +5,7 @@
     <p:sldMasterId id="2147483660" r:id="rId1"/>
   </p:sldMasterIdLst>
   <p:notesMasterIdLst>
-    <p:notesMasterId r:id="rId12"/>
+    <p:notesMasterId r:id="rId15"/>
   </p:notesMasterIdLst>
   <p:sldIdLst>
     <p:sldId id="256" r:id="rId2"/>
@@ -14,10 +14,13 @@
     <p:sldId id="259" r:id="rId5"/>
     <p:sldId id="260" r:id="rId6"/>
     <p:sldId id="261" r:id="rId7"/>
-    <p:sldId id="262" r:id="rId8"/>
-    <p:sldId id="263" r:id="rId9"/>
-    <p:sldId id="264" r:id="rId10"/>
-    <p:sldId id="265" r:id="rId11"/>
+    <p:sldId id="266" r:id="rId8"/>
+    <p:sldId id="267" r:id="rId9"/>
+    <p:sldId id="268" r:id="rId10"/>
+    <p:sldId id="262" r:id="rId11"/>
+    <p:sldId id="263" r:id="rId12"/>
+    <p:sldId id="264" r:id="rId13"/>
+    <p:sldId id="265" r:id="rId14"/>
   </p:sldIdLst>
   <p:sldSz cx="9144000" cy="6858000" type="screen4x3"/>
   <p:notesSz cx="6858000" cy="9144000"/>
@@ -201,7 +204,7 @@
           <a:p>
             <a:fld id="{59ABEBD7-29F2-41ED-A20C-990A4E1B9C28}" type="datetimeFigureOut">
               <a:rPr lang="zh-CN" altLang="en-US" smtClean="0"/>
-              <a:t>2017/1/12</a:t>
+              <a:t>2017/1/17</a:t>
             </a:fld>
             <a:endParaRPr lang="zh-CN" altLang="en-US"/>
           </a:p>
@@ -1230,7 +1233,7 @@
           <a:p>
             <a:fld id="{530820CF-B880-4189-942D-D702A7CBA730}" type="datetimeFigureOut">
               <a:rPr lang="zh-CN" altLang="en-US" smtClean="0"/>
-              <a:t>2017/1/12</a:t>
+              <a:t>2017/1/17</a:t>
             </a:fld>
             <a:endParaRPr lang="zh-CN" altLang="en-US"/>
           </a:p>
@@ -1426,7 +1429,7 @@
           <a:p>
             <a:fld id="{530820CF-B880-4189-942D-D702A7CBA730}" type="datetimeFigureOut">
               <a:rPr lang="zh-CN" altLang="en-US" smtClean="0"/>
-              <a:t>2017/1/12</a:t>
+              <a:t>2017/1/17</a:t>
             </a:fld>
             <a:endParaRPr lang="zh-CN" altLang="en-US"/>
           </a:p>
@@ -1611,7 +1614,7 @@
           <a:p>
             <a:fld id="{530820CF-B880-4189-942D-D702A7CBA730}" type="datetimeFigureOut">
               <a:rPr lang="zh-CN" altLang="en-US" smtClean="0"/>
-              <a:t>2017/1/12</a:t>
+              <a:t>2017/1/17</a:t>
             </a:fld>
             <a:endParaRPr lang="zh-CN" altLang="en-US"/>
           </a:p>
@@ -1761,7 +1764,7 @@
           <a:p>
             <a:fld id="{530820CF-B880-4189-942D-D702A7CBA730}" type="datetimeFigureOut">
               <a:rPr lang="zh-CN" altLang="en-US" smtClean="0"/>
-              <a:t>2017/1/12</a:t>
+              <a:t>2017/1/17</a:t>
             </a:fld>
             <a:endParaRPr lang="zh-CN" altLang="en-US"/>
           </a:p>
@@ -2016,7 +2019,7 @@
           <a:p>
             <a:fld id="{530820CF-B880-4189-942D-D702A7CBA730}" type="datetimeFigureOut">
               <a:rPr lang="zh-CN" altLang="en-US" smtClean="0"/>
-              <a:t>2017/1/12</a:t>
+              <a:t>2017/1/17</a:t>
             </a:fld>
             <a:endParaRPr lang="zh-CN" altLang="en-US"/>
           </a:p>
@@ -2425,7 +2428,7 @@
           <a:p>
             <a:fld id="{530820CF-B880-4189-942D-D702A7CBA730}" type="datetimeFigureOut">
               <a:rPr lang="zh-CN" altLang="en-US" smtClean="0"/>
-              <a:t>2017/1/12</a:t>
+              <a:t>2017/1/17</a:t>
             </a:fld>
             <a:endParaRPr lang="zh-CN" altLang="en-US"/>
           </a:p>
@@ -2871,7 +2874,7 @@
           <a:p>
             <a:fld id="{530820CF-B880-4189-942D-D702A7CBA730}" type="datetimeFigureOut">
               <a:rPr lang="zh-CN" altLang="en-US" smtClean="0"/>
-              <a:t>2017/1/12</a:t>
+              <a:t>2017/1/17</a:t>
             </a:fld>
             <a:endParaRPr lang="zh-CN" altLang="en-US"/>
           </a:p>
@@ -2972,7 +2975,7 @@
           <a:p>
             <a:fld id="{530820CF-B880-4189-942D-D702A7CBA730}" type="datetimeFigureOut">
               <a:rPr lang="zh-CN" altLang="en-US" smtClean="0"/>
-              <a:t>2017/1/12</a:t>
+              <a:t>2017/1/17</a:t>
             </a:fld>
             <a:endParaRPr lang="zh-CN" altLang="en-US"/>
           </a:p>
@@ -3093,7 +3096,7 @@
           <a:p>
             <a:fld id="{530820CF-B880-4189-942D-D702A7CBA730}" type="datetimeFigureOut">
               <a:rPr lang="zh-CN" altLang="en-US" smtClean="0"/>
-              <a:t>2017/1/12</a:t>
+              <a:t>2017/1/17</a:t>
             </a:fld>
             <a:endParaRPr lang="zh-CN" altLang="en-US"/>
           </a:p>
@@ -3367,7 +3370,7 @@
           <a:p>
             <a:fld id="{530820CF-B880-4189-942D-D702A7CBA730}" type="datetimeFigureOut">
               <a:rPr lang="zh-CN" altLang="en-US" smtClean="0"/>
-              <a:t>2017/1/12</a:t>
+              <a:t>2017/1/17</a:t>
             </a:fld>
             <a:endParaRPr lang="zh-CN" altLang="en-US"/>
           </a:p>
@@ -3572,7 +3575,7 @@
           <a:p>
             <a:fld id="{530820CF-B880-4189-942D-D702A7CBA730}" type="datetimeFigureOut">
               <a:rPr lang="zh-CN" altLang="en-US" smtClean="0"/>
-              <a:t>2017/1/12</a:t>
+              <a:t>2017/1/17</a:t>
             </a:fld>
             <a:endParaRPr lang="zh-CN" altLang="en-US"/>
           </a:p>
@@ -4681,7 +4684,7 @@
           <a:p>
             <a:fld id="{530820CF-B880-4189-942D-D702A7CBA730}" type="datetimeFigureOut">
               <a:rPr lang="zh-CN" altLang="en-US" smtClean="0"/>
-              <a:t>2017/1/12</a:t>
+              <a:t>2017/1/17</a:t>
             </a:fld>
             <a:endParaRPr lang="zh-CN" altLang="en-US"/>
           </a:p>
@@ -5485,6 +5488,639 @@
             <p:ph idx="1"/>
           </p:nvPr>
         </p:nvSpPr>
+        <p:spPr/>
+        <p:txBody>
+          <a:bodyPr>
+            <a:normAutofit/>
+          </a:bodyPr>
+          <a:lstStyle/>
+          <a:p>
+            <a:r>
+              <a:rPr lang="zh-CN" altLang="en-US" sz="1800" dirty="0" smtClean="0">
+                <a:latin typeface="等线 Light" panose="02010600030101010101" pitchFamily="2" charset="-122"/>
+                <a:ea typeface="等线 Light" panose="02010600030101010101" pitchFamily="2" charset="-122"/>
+              </a:rPr>
+              <a:t>创建 </a:t>
+            </a:r>
+            <a:r>
+              <a:rPr lang="en-US" altLang="zh-CN" sz="1800" dirty="0" smtClean="0">
+                <a:latin typeface="等线 Light" panose="02010600030101010101" pitchFamily="2" charset="-122"/>
+                <a:ea typeface="等线 Light" panose="02010600030101010101" pitchFamily="2" charset="-122"/>
+              </a:rPr>
+              <a:t>Unity </a:t>
+            </a:r>
+            <a:r>
+              <a:rPr lang="zh-CN" altLang="en-US" sz="1800" dirty="0" smtClean="0">
+                <a:latin typeface="等线 Light" panose="02010600030101010101" pitchFamily="2" charset="-122"/>
+                <a:ea typeface="等线 Light" panose="02010600030101010101" pitchFamily="2" charset="-122"/>
+              </a:rPr>
+              <a:t>工程，并创建目录：</a:t>
+            </a:r>
+            <a:r>
+              <a:rPr lang="en-US" altLang="zh-CN" sz="1800" dirty="0" smtClean="0">
+                <a:latin typeface="等线 Light" panose="02010600030101010101" pitchFamily="2" charset="-122"/>
+                <a:ea typeface="等线 Light" panose="02010600030101010101" pitchFamily="2" charset="-122"/>
+              </a:rPr>
+              <a:t>Assets-&gt;Plugins-&gt;Android-&gt;bin</a:t>
+            </a:r>
+          </a:p>
+          <a:p>
+            <a:pPr marL="109728" indent="0">
+              <a:buNone/>
+            </a:pPr>
+            <a:r>
+              <a:rPr lang="en-US" altLang="zh-CN" sz="1800" dirty="0">
+                <a:latin typeface="等线 Light" panose="02010600030101010101" pitchFamily="2" charset="-122"/>
+                <a:ea typeface="等线 Light" panose="02010600030101010101" pitchFamily="2" charset="-122"/>
+              </a:rPr>
+              <a:t> </a:t>
+            </a:r>
+            <a:r>
+              <a:rPr lang="en-US" altLang="zh-CN" sz="1800" dirty="0" smtClean="0">
+                <a:latin typeface="等线 Light" panose="02010600030101010101" pitchFamily="2" charset="-122"/>
+                <a:ea typeface="等线 Light" panose="02010600030101010101" pitchFamily="2" charset="-122"/>
+              </a:rPr>
+              <a:t>    </a:t>
+            </a:r>
+            <a:r>
+              <a:rPr lang="zh-CN" altLang="en-US" sz="1800" dirty="0" smtClean="0">
+                <a:latin typeface="等线 Light" panose="02010600030101010101" pitchFamily="2" charset="-122"/>
+                <a:ea typeface="等线 Light" panose="02010600030101010101" pitchFamily="2" charset="-122"/>
+              </a:rPr>
+              <a:t>放入 打包好的 </a:t>
+            </a:r>
+            <a:r>
+              <a:rPr lang="en-US" altLang="zh-CN" sz="1800" dirty="0" smtClean="0">
+                <a:latin typeface="等线 Light" panose="02010600030101010101" pitchFamily="2" charset="-122"/>
+                <a:ea typeface="等线 Light" panose="02010600030101010101" pitchFamily="2" charset="-122"/>
+              </a:rPr>
+              <a:t>Android jar</a:t>
+            </a:r>
+            <a:endParaRPr lang="zh-CN" altLang="en-US" sz="1800" dirty="0">
+              <a:latin typeface="等线 Light" panose="02010600030101010101" pitchFamily="2" charset="-122"/>
+              <a:ea typeface="等线 Light" panose="02010600030101010101" pitchFamily="2" charset="-122"/>
+            </a:endParaRPr>
+          </a:p>
+        </p:txBody>
+      </p:sp>
+      <p:sp>
+        <p:nvSpPr>
+          <p:cNvPr id="3" name="标题 2"/>
+          <p:cNvSpPr>
+            <a:spLocks noGrp="1"/>
+          </p:cNvSpPr>
+          <p:nvPr>
+            <p:ph type="title"/>
+          </p:nvPr>
+        </p:nvSpPr>
+        <p:spPr/>
+        <p:txBody>
+          <a:bodyPr>
+            <a:normAutofit/>
+          </a:bodyPr>
+          <a:lstStyle/>
+          <a:p>
+            <a:r>
+              <a:rPr lang="en-US" altLang="zh-CN" sz="3200" dirty="0">
+                <a:latin typeface="等线 Light" panose="02010600030101010101" pitchFamily="2" charset="-122"/>
+                <a:ea typeface="等线 Light" panose="02010600030101010101" pitchFamily="2" charset="-122"/>
+              </a:rPr>
+              <a:t>Unity </a:t>
+            </a:r>
+            <a:r>
+              <a:rPr lang="zh-CN" altLang="en-US" sz="3200" dirty="0">
+                <a:latin typeface="等线 Light" panose="02010600030101010101" pitchFamily="2" charset="-122"/>
+                <a:ea typeface="等线 Light" panose="02010600030101010101" pitchFamily="2" charset="-122"/>
+              </a:rPr>
+              <a:t>加入</a:t>
+            </a:r>
+            <a:r>
+              <a:rPr lang="en-US" altLang="zh-CN" sz="3200" dirty="0">
+                <a:latin typeface="等线 Light" panose="02010600030101010101" pitchFamily="2" charset="-122"/>
+                <a:ea typeface="等线 Light" panose="02010600030101010101" pitchFamily="2" charset="-122"/>
+              </a:rPr>
+              <a:t>Android</a:t>
+            </a:r>
+            <a:r>
+              <a:rPr lang="zh-CN" altLang="en-US" sz="3200" dirty="0">
+                <a:latin typeface="等线 Light" panose="02010600030101010101" pitchFamily="2" charset="-122"/>
+                <a:ea typeface="等线 Light" panose="02010600030101010101" pitchFamily="2" charset="-122"/>
+              </a:rPr>
+              <a:t>生成的</a:t>
+            </a:r>
+            <a:r>
+              <a:rPr lang="en-US" altLang="zh-CN" sz="3200" dirty="0" smtClean="0">
+                <a:latin typeface="等线 Light" panose="02010600030101010101" pitchFamily="2" charset="-122"/>
+                <a:ea typeface="等线 Light" panose="02010600030101010101" pitchFamily="2" charset="-122"/>
+              </a:rPr>
+              <a:t>jar</a:t>
+            </a:r>
+            <a:endParaRPr lang="zh-CN" altLang="en-US" sz="3200" dirty="0"/>
+          </a:p>
+        </p:txBody>
+      </p:sp>
+      <p:pic>
+        <p:nvPicPr>
+          <p:cNvPr id="5122" name="Picture 2"/>
+          <p:cNvPicPr>
+            <a:picLocks noChangeAspect="1" noChangeArrowheads="1"/>
+          </p:cNvPicPr>
+          <p:nvPr/>
+        </p:nvPicPr>
+        <p:blipFill>
+          <a:blip r:embed="rId2">
+            <a:extLst>
+              <a:ext uri="{28A0092B-C50C-407E-A947-70E740481C1C}">
+                <a14:useLocalDpi xmlns:a14="http://schemas.microsoft.com/office/drawing/2010/main" val="0"/>
+              </a:ext>
+            </a:extLst>
+          </a:blip>
+          <a:srcRect/>
+          <a:stretch>
+            <a:fillRect/>
+          </a:stretch>
+        </p:blipFill>
+        <p:spPr bwMode="auto">
+          <a:xfrm>
+            <a:off x="1763688" y="2276872"/>
+            <a:ext cx="5438775" cy="3390900"/>
+          </a:xfrm>
+          <a:prstGeom prst="rect">
+            <a:avLst/>
+          </a:prstGeom>
+          <a:noFill/>
+          <a:ln>
+            <a:noFill/>
+          </a:ln>
+          <a:extLst>
+            <a:ext uri="{909E8E84-426E-40DD-AFC4-6F175D3DCCD1}">
+              <a14:hiddenFill xmlns:a14="http://schemas.microsoft.com/office/drawing/2010/main">
+                <a:solidFill>
+                  <a:schemeClr val="accent1"/>
+                </a:solidFill>
+              </a14:hiddenFill>
+            </a:ext>
+            <a:ext uri="{91240B29-F687-4F45-9708-019B960494DF}">
+              <a14:hiddenLine xmlns:a14="http://schemas.microsoft.com/office/drawing/2010/main" w="9525">
+                <a:solidFill>
+                  <a:schemeClr val="tx1"/>
+                </a:solidFill>
+                <a:miter lim="800000"/>
+                <a:headEnd/>
+                <a:tailEnd/>
+              </a14:hiddenLine>
+            </a:ext>
+          </a:extLst>
+        </p:spPr>
+      </p:pic>
+    </p:spTree>
+    <p:extLst>
+      <p:ext uri="{BB962C8B-B14F-4D97-AF65-F5344CB8AC3E}">
+        <p14:creationId xmlns:p14="http://schemas.microsoft.com/office/powerpoint/2010/main" val="3430436745"/>
+      </p:ext>
+    </p:extLst>
+  </p:cSld>
+  <p:clrMapOvr>
+    <a:masterClrMapping/>
+  </p:clrMapOvr>
+</p:sld>
+</file>
+
+<file path=ppt/slides/slide11.xml><?xml version="1.0" encoding="utf-8"?>
+<p:sld xmlns:a="http://schemas.openxmlformats.org/drawingml/2006/main" xmlns:r="http://schemas.openxmlformats.org/officeDocument/2006/relationships" xmlns:p="http://schemas.openxmlformats.org/presentationml/2006/main">
+  <p:cSld>
+    <p:spTree>
+      <p:nvGrpSpPr>
+        <p:cNvPr id="1" name=""/>
+        <p:cNvGrpSpPr/>
+        <p:nvPr/>
+      </p:nvGrpSpPr>
+      <p:grpSpPr>
+        <a:xfrm>
+          <a:off x="0" y="0"/>
+          <a:ext cx="0" cy="0"/>
+          <a:chOff x="0" y="0"/>
+          <a:chExt cx="0" cy="0"/>
+        </a:xfrm>
+      </p:grpSpPr>
+      <p:sp>
+        <p:nvSpPr>
+          <p:cNvPr id="2" name="内容占位符 1"/>
+          <p:cNvSpPr>
+            <a:spLocks noGrp="1"/>
+          </p:cNvSpPr>
+          <p:nvPr>
+            <p:ph idx="1"/>
+          </p:nvPr>
+        </p:nvSpPr>
+        <p:spPr/>
+        <p:txBody>
+          <a:bodyPr>
+            <a:normAutofit/>
+          </a:bodyPr>
+          <a:lstStyle/>
+          <a:p>
+            <a:r>
+              <a:rPr lang="zh-CN" altLang="en-US" sz="1800" dirty="0" smtClean="0">
+                <a:latin typeface="等线 Light" panose="02010600030101010101" pitchFamily="2" charset="-122"/>
+                <a:ea typeface="等线 Light" panose="02010600030101010101" pitchFamily="2" charset="-122"/>
+              </a:rPr>
+              <a:t>在 </a:t>
+            </a:r>
+            <a:r>
+              <a:rPr lang="en-US" altLang="zh-CN" sz="1800" dirty="0" smtClean="0">
+                <a:latin typeface="等线 Light" panose="02010600030101010101" pitchFamily="2" charset="-122"/>
+                <a:ea typeface="等线 Light" panose="02010600030101010101" pitchFamily="2" charset="-122"/>
+              </a:rPr>
+              <a:t>Unity Android </a:t>
+            </a:r>
+            <a:r>
+              <a:rPr lang="zh-CN" altLang="en-US" sz="1800" dirty="0" smtClean="0">
+                <a:latin typeface="等线 Light" panose="02010600030101010101" pitchFamily="2" charset="-122"/>
+                <a:ea typeface="等线 Light" panose="02010600030101010101" pitchFamily="2" charset="-122"/>
+              </a:rPr>
+              <a:t>文件夹内加载 原 </a:t>
+            </a:r>
+            <a:r>
+              <a:rPr lang="en-US" altLang="zh-CN" sz="1800" dirty="0" smtClean="0">
+                <a:latin typeface="等线 Light" panose="02010600030101010101" pitchFamily="2" charset="-122"/>
+                <a:ea typeface="等线 Light" panose="02010600030101010101" pitchFamily="2" charset="-122"/>
+              </a:rPr>
+              <a:t>Android </a:t>
+            </a:r>
+            <a:r>
+              <a:rPr lang="zh-CN" altLang="en-US" sz="1800" dirty="0" smtClean="0">
+                <a:latin typeface="等线 Light" panose="02010600030101010101" pitchFamily="2" charset="-122"/>
+                <a:ea typeface="等线 Light" panose="02010600030101010101" pitchFamily="2" charset="-122"/>
+              </a:rPr>
+              <a:t>工程的 </a:t>
+            </a:r>
+            <a:r>
+              <a:rPr lang="en-US" altLang="zh-CN" sz="1800" dirty="0" smtClean="0">
+                <a:latin typeface="等线 Light" panose="02010600030101010101" pitchFamily="2" charset="-122"/>
+                <a:ea typeface="等线 Light" panose="02010600030101010101" pitchFamily="2" charset="-122"/>
+              </a:rPr>
+              <a:t>assets</a:t>
+            </a:r>
+            <a:r>
+              <a:rPr lang="zh-CN" altLang="en-US" sz="1800" dirty="0" smtClean="0">
+                <a:latin typeface="等线 Light" panose="02010600030101010101" pitchFamily="2" charset="-122"/>
+                <a:ea typeface="等线 Light" panose="02010600030101010101" pitchFamily="2" charset="-122"/>
+              </a:rPr>
+              <a:t>、</a:t>
+            </a:r>
+            <a:r>
+              <a:rPr lang="en-US" altLang="zh-CN" sz="1800" dirty="0" smtClean="0">
+                <a:latin typeface="等线 Light" panose="02010600030101010101" pitchFamily="2" charset="-122"/>
+                <a:ea typeface="等线 Light" panose="02010600030101010101" pitchFamily="2" charset="-122"/>
+              </a:rPr>
+              <a:t>res</a:t>
+            </a:r>
+            <a:r>
+              <a:rPr lang="zh-CN" altLang="en-US" sz="1800" dirty="0" smtClean="0">
+                <a:latin typeface="等线 Light" panose="02010600030101010101" pitchFamily="2" charset="-122"/>
+                <a:ea typeface="等线 Light" panose="02010600030101010101" pitchFamily="2" charset="-122"/>
+              </a:rPr>
+              <a:t>、</a:t>
+            </a:r>
+            <a:r>
+              <a:rPr lang="en-US" altLang="zh-CN" sz="1800" dirty="0" smtClean="0">
+                <a:latin typeface="等线 Light" panose="02010600030101010101" pitchFamily="2" charset="-122"/>
+                <a:ea typeface="等线 Light" panose="02010600030101010101" pitchFamily="2" charset="-122"/>
+              </a:rPr>
+              <a:t>AndroidManifest</a:t>
+            </a:r>
+            <a:endParaRPr lang="zh-CN" altLang="en-US" sz="1800" dirty="0">
+              <a:latin typeface="等线 Light" panose="02010600030101010101" pitchFamily="2" charset="-122"/>
+              <a:ea typeface="等线 Light" panose="02010600030101010101" pitchFamily="2" charset="-122"/>
+            </a:endParaRPr>
+          </a:p>
+        </p:txBody>
+      </p:sp>
+      <p:sp>
+        <p:nvSpPr>
+          <p:cNvPr id="3" name="标题 2"/>
+          <p:cNvSpPr>
+            <a:spLocks noGrp="1"/>
+          </p:cNvSpPr>
+          <p:nvPr>
+            <p:ph type="title"/>
+          </p:nvPr>
+        </p:nvSpPr>
+        <p:spPr/>
+        <p:txBody>
+          <a:bodyPr>
+            <a:normAutofit/>
+          </a:bodyPr>
+          <a:lstStyle/>
+          <a:p>
+            <a:r>
+              <a:rPr lang="en-US" altLang="zh-CN" sz="3200" dirty="0">
+                <a:latin typeface="等线 Light" panose="02010600030101010101" pitchFamily="2" charset="-122"/>
+                <a:ea typeface="等线 Light" panose="02010600030101010101" pitchFamily="2" charset="-122"/>
+              </a:rPr>
+              <a:t>Unity </a:t>
+            </a:r>
+            <a:r>
+              <a:rPr lang="zh-CN" altLang="en-US" sz="3200" dirty="0">
+                <a:latin typeface="等线 Light" panose="02010600030101010101" pitchFamily="2" charset="-122"/>
+                <a:ea typeface="等线 Light" panose="02010600030101010101" pitchFamily="2" charset="-122"/>
+              </a:rPr>
+              <a:t>加入</a:t>
+            </a:r>
+            <a:r>
+              <a:rPr lang="en-US" altLang="zh-CN" sz="3200" dirty="0">
+                <a:latin typeface="等线 Light" panose="02010600030101010101" pitchFamily="2" charset="-122"/>
+                <a:ea typeface="等线 Light" panose="02010600030101010101" pitchFamily="2" charset="-122"/>
+              </a:rPr>
+              <a:t>Android</a:t>
+            </a:r>
+            <a:r>
+              <a:rPr lang="zh-CN" altLang="en-US" sz="3200" dirty="0">
+                <a:latin typeface="等线 Light" panose="02010600030101010101" pitchFamily="2" charset="-122"/>
+                <a:ea typeface="等线 Light" panose="02010600030101010101" pitchFamily="2" charset="-122"/>
+              </a:rPr>
+              <a:t>资源及</a:t>
+            </a:r>
+            <a:r>
+              <a:rPr lang="en-US" altLang="zh-CN" sz="3200" dirty="0" smtClean="0">
+                <a:latin typeface="等线 Light" panose="02010600030101010101" pitchFamily="2" charset="-122"/>
+                <a:ea typeface="等线 Light" panose="02010600030101010101" pitchFamily="2" charset="-122"/>
+              </a:rPr>
+              <a:t>Manifest</a:t>
+            </a:r>
+            <a:endParaRPr lang="zh-CN" altLang="en-US" sz="3200" dirty="0"/>
+          </a:p>
+        </p:txBody>
+      </p:sp>
+      <p:pic>
+        <p:nvPicPr>
+          <p:cNvPr id="6146" name="Picture 2"/>
+          <p:cNvPicPr>
+            <a:picLocks noChangeAspect="1" noChangeArrowheads="1"/>
+          </p:cNvPicPr>
+          <p:nvPr/>
+        </p:nvPicPr>
+        <p:blipFill>
+          <a:blip r:embed="rId2">
+            <a:extLst>
+              <a:ext uri="{28A0092B-C50C-407E-A947-70E740481C1C}">
+                <a14:useLocalDpi xmlns:a14="http://schemas.microsoft.com/office/drawing/2010/main" val="0"/>
+              </a:ext>
+            </a:extLst>
+          </a:blip>
+          <a:srcRect/>
+          <a:stretch>
+            <a:fillRect/>
+          </a:stretch>
+        </p:blipFill>
+        <p:spPr bwMode="auto">
+          <a:xfrm>
+            <a:off x="1619672" y="2204864"/>
+            <a:ext cx="5438775" cy="3362325"/>
+          </a:xfrm>
+          <a:prstGeom prst="rect">
+            <a:avLst/>
+          </a:prstGeom>
+          <a:noFill/>
+          <a:ln>
+            <a:noFill/>
+          </a:ln>
+          <a:extLst>
+            <a:ext uri="{909E8E84-426E-40DD-AFC4-6F175D3DCCD1}">
+              <a14:hiddenFill xmlns:a14="http://schemas.microsoft.com/office/drawing/2010/main">
+                <a:solidFill>
+                  <a:schemeClr val="accent1"/>
+                </a:solidFill>
+              </a14:hiddenFill>
+            </a:ext>
+            <a:ext uri="{91240B29-F687-4F45-9708-019B960494DF}">
+              <a14:hiddenLine xmlns:a14="http://schemas.microsoft.com/office/drawing/2010/main" w="9525">
+                <a:solidFill>
+                  <a:schemeClr val="tx1"/>
+                </a:solidFill>
+                <a:miter lim="800000"/>
+                <a:headEnd/>
+                <a:tailEnd/>
+              </a14:hiddenLine>
+            </a:ext>
+          </a:extLst>
+        </p:spPr>
+      </p:pic>
+    </p:spTree>
+    <p:extLst>
+      <p:ext uri="{BB962C8B-B14F-4D97-AF65-F5344CB8AC3E}">
+        <p14:creationId xmlns:p14="http://schemas.microsoft.com/office/powerpoint/2010/main" val="3669192144"/>
+      </p:ext>
+    </p:extLst>
+  </p:cSld>
+  <p:clrMapOvr>
+    <a:masterClrMapping/>
+  </p:clrMapOvr>
+</p:sld>
+</file>
+
+<file path=ppt/slides/slide12.xml><?xml version="1.0" encoding="utf-8"?>
+<p:sld xmlns:a="http://schemas.openxmlformats.org/drawingml/2006/main" xmlns:r="http://schemas.openxmlformats.org/officeDocument/2006/relationships" xmlns:p="http://schemas.openxmlformats.org/presentationml/2006/main">
+  <p:cSld>
+    <p:spTree>
+      <p:nvGrpSpPr>
+        <p:cNvPr id="1" name=""/>
+        <p:cNvGrpSpPr/>
+        <p:nvPr/>
+      </p:nvGrpSpPr>
+      <p:grpSpPr>
+        <a:xfrm>
+          <a:off x="0" y="0"/>
+          <a:ext cx="0" cy="0"/>
+          <a:chOff x="0" y="0"/>
+          <a:chExt cx="0" cy="0"/>
+        </a:xfrm>
+      </p:grpSpPr>
+      <p:sp>
+        <p:nvSpPr>
+          <p:cNvPr id="2" name="内容占位符 1"/>
+          <p:cNvSpPr>
+            <a:spLocks noGrp="1"/>
+          </p:cNvSpPr>
+          <p:nvPr>
+            <p:ph idx="1"/>
+          </p:nvPr>
+        </p:nvSpPr>
+        <p:spPr>
+          <a:xfrm>
+            <a:off x="467544" y="764704"/>
+            <a:ext cx="8229600" cy="4525963"/>
+          </a:xfrm>
+        </p:spPr>
+        <p:txBody>
+          <a:bodyPr>
+            <a:normAutofit/>
+          </a:bodyPr>
+          <a:lstStyle/>
+          <a:p>
+            <a:r>
+              <a:rPr lang="zh-CN" altLang="en-US" sz="1800" dirty="0" smtClean="0">
+                <a:latin typeface="等线 Light" panose="02010600030101010101" pitchFamily="2" charset="-122"/>
+                <a:ea typeface="等线 Light" panose="02010600030101010101" pitchFamily="2" charset="-122"/>
+              </a:rPr>
+              <a:t>编写一个 </a:t>
+            </a:r>
+            <a:r>
+              <a:rPr lang="en-US" altLang="zh-CN" sz="1800" dirty="0" smtClean="0">
+                <a:latin typeface="等线 Light" panose="02010600030101010101" pitchFamily="2" charset="-122"/>
+                <a:ea typeface="等线 Light" panose="02010600030101010101" pitchFamily="2" charset="-122"/>
+              </a:rPr>
+              <a:t>js001 </a:t>
+            </a:r>
+            <a:r>
+              <a:rPr lang="zh-CN" altLang="en-US" sz="1800" dirty="0" smtClean="0">
+                <a:latin typeface="等线 Light" panose="02010600030101010101" pitchFamily="2" charset="-122"/>
+                <a:ea typeface="等线 Light" panose="02010600030101010101" pitchFamily="2" charset="-122"/>
+              </a:rPr>
+              <a:t>脚本，并绑定到 主摄像机，并保存当前的场景</a:t>
+            </a:r>
+            <a:endParaRPr lang="zh-CN" altLang="en-US" sz="1800" dirty="0">
+              <a:latin typeface="等线 Light" panose="02010600030101010101" pitchFamily="2" charset="-122"/>
+              <a:ea typeface="等线 Light" panose="02010600030101010101" pitchFamily="2" charset="-122"/>
+            </a:endParaRPr>
+          </a:p>
+        </p:txBody>
+      </p:sp>
+      <p:sp>
+        <p:nvSpPr>
+          <p:cNvPr id="3" name="标题 2"/>
+          <p:cNvSpPr>
+            <a:spLocks noGrp="1"/>
+          </p:cNvSpPr>
+          <p:nvPr>
+            <p:ph type="title"/>
+          </p:nvPr>
+        </p:nvSpPr>
+        <p:spPr>
+          <a:xfrm>
+            <a:off x="467544" y="188640"/>
+            <a:ext cx="8229600" cy="720080"/>
+          </a:xfrm>
+        </p:spPr>
+        <p:txBody>
+          <a:bodyPr>
+            <a:normAutofit/>
+          </a:bodyPr>
+          <a:lstStyle/>
+          <a:p>
+            <a:r>
+              <a:rPr lang="en-US" altLang="zh-CN" sz="3200" dirty="0">
+                <a:latin typeface="等线 Light" panose="02010600030101010101" pitchFamily="2" charset="-122"/>
+                <a:ea typeface="等线 Light" panose="02010600030101010101" pitchFamily="2" charset="-122"/>
+              </a:rPr>
+              <a:t>Unity </a:t>
+            </a:r>
+            <a:r>
+              <a:rPr lang="zh-CN" altLang="en-US" sz="3200" dirty="0" smtClean="0">
+                <a:latin typeface="等线 Light" panose="02010600030101010101" pitchFamily="2" charset="-122"/>
+                <a:ea typeface="等线 Light" panose="02010600030101010101" pitchFamily="2" charset="-122"/>
+              </a:rPr>
+              <a:t>编写</a:t>
+            </a:r>
+            <a:endParaRPr lang="zh-CN" altLang="en-US" sz="3200" dirty="0"/>
+          </a:p>
+        </p:txBody>
+      </p:sp>
+      <p:pic>
+        <p:nvPicPr>
+          <p:cNvPr id="7170" name="Picture 2"/>
+          <p:cNvPicPr>
+            <a:picLocks noChangeAspect="1" noChangeArrowheads="1"/>
+          </p:cNvPicPr>
+          <p:nvPr/>
+        </p:nvPicPr>
+        <p:blipFill>
+          <a:blip r:embed="rId2">
+            <a:extLst>
+              <a:ext uri="{28A0092B-C50C-407E-A947-70E740481C1C}">
+                <a14:useLocalDpi xmlns:a14="http://schemas.microsoft.com/office/drawing/2010/main" val="0"/>
+              </a:ext>
+            </a:extLst>
+          </a:blip>
+          <a:srcRect/>
+          <a:stretch>
+            <a:fillRect/>
+          </a:stretch>
+        </p:blipFill>
+        <p:spPr bwMode="auto">
+          <a:xfrm>
+            <a:off x="2195736" y="1196752"/>
+            <a:ext cx="5328592" cy="5019020"/>
+          </a:xfrm>
+          <a:prstGeom prst="rect">
+            <a:avLst/>
+          </a:prstGeom>
+          <a:noFill/>
+          <a:ln>
+            <a:noFill/>
+          </a:ln>
+          <a:extLst>
+            <a:ext uri="{909E8E84-426E-40DD-AFC4-6F175D3DCCD1}">
+              <a14:hiddenFill xmlns:a14="http://schemas.microsoft.com/office/drawing/2010/main">
+                <a:solidFill>
+                  <a:schemeClr val="accent1"/>
+                </a:solidFill>
+              </a14:hiddenFill>
+            </a:ext>
+            <a:ext uri="{91240B29-F687-4F45-9708-019B960494DF}">
+              <a14:hiddenLine xmlns:a14="http://schemas.microsoft.com/office/drawing/2010/main" w="9525">
+                <a:solidFill>
+                  <a:schemeClr val="tx1"/>
+                </a:solidFill>
+                <a:miter lim="800000"/>
+                <a:headEnd/>
+                <a:tailEnd/>
+              </a14:hiddenLine>
+            </a:ext>
+          </a:extLst>
+        </p:spPr>
+      </p:pic>
+    </p:spTree>
+    <p:extLst>
+      <p:ext uri="{BB962C8B-B14F-4D97-AF65-F5344CB8AC3E}">
+        <p14:creationId xmlns:p14="http://schemas.microsoft.com/office/powerpoint/2010/main" val="1742040319"/>
+      </p:ext>
+    </p:extLst>
+  </p:cSld>
+  <p:clrMapOvr>
+    <a:masterClrMapping/>
+  </p:clrMapOvr>
+</p:sld>
+</file>
+
+<file path=ppt/slides/slide13.xml><?xml version="1.0" encoding="utf-8"?>
+<p:sld xmlns:a="http://schemas.openxmlformats.org/drawingml/2006/main" xmlns:r="http://schemas.openxmlformats.org/officeDocument/2006/relationships" xmlns:p="http://schemas.openxmlformats.org/presentationml/2006/main">
+  <p:cSld>
+    <p:spTree>
+      <p:nvGrpSpPr>
+        <p:cNvPr id="1" name=""/>
+        <p:cNvGrpSpPr/>
+        <p:nvPr/>
+      </p:nvGrpSpPr>
+      <p:grpSpPr>
+        <a:xfrm>
+          <a:off x="0" y="0"/>
+          <a:ext cx="0" cy="0"/>
+          <a:chOff x="0" y="0"/>
+          <a:chExt cx="0" cy="0"/>
+        </a:xfrm>
+      </p:grpSpPr>
+      <p:sp>
+        <p:nvSpPr>
+          <p:cNvPr id="2" name="内容占位符 1"/>
+          <p:cNvSpPr>
+            <a:spLocks noGrp="1"/>
+          </p:cNvSpPr>
+          <p:nvPr>
+            <p:ph idx="1"/>
+          </p:nvPr>
+        </p:nvSpPr>
         <p:spPr>
           <a:xfrm>
             <a:off x="395536" y="908720"/>
@@ -7527,7 +8163,12 @@
             <p:ph idx="1"/>
           </p:nvPr>
         </p:nvSpPr>
-        <p:spPr/>
+        <p:spPr>
+          <a:xfrm>
+            <a:off x="507804" y="908720"/>
+            <a:ext cx="8229600" cy="4525963"/>
+          </a:xfrm>
+        </p:spPr>
         <p:txBody>
           <a:bodyPr>
             <a:normAutofit/>
@@ -7535,65 +8176,90 @@
           <a:lstStyle/>
           <a:p>
             <a:r>
+              <a:rPr lang="en-US" altLang="zh-CN" sz="1800" dirty="0">
+                <a:latin typeface="等线 Light" panose="02010600030101010101" pitchFamily="2" charset="-122"/>
+                <a:ea typeface="等线 Light" panose="02010600030101010101" pitchFamily="2" charset="-122"/>
+              </a:rPr>
+              <a:t>Module</a:t>
+            </a:r>
+            <a:r>
+              <a:rPr lang="zh-CN" altLang="en-US" sz="1800" dirty="0">
+                <a:latin typeface="等线 Light" panose="02010600030101010101" pitchFamily="2" charset="-122"/>
+                <a:ea typeface="等线 Light" panose="02010600030101010101" pitchFamily="2" charset="-122"/>
+              </a:rPr>
+              <a:t>根目录建立</a:t>
+            </a:r>
+            <a:r>
+              <a:rPr lang="en-US" altLang="zh-CN" sz="1800" dirty="0">
+                <a:latin typeface="等线 Light" panose="02010600030101010101" pitchFamily="2" charset="-122"/>
+                <a:ea typeface="等线 Light" panose="02010600030101010101" pitchFamily="2" charset="-122"/>
+              </a:rPr>
+              <a:t>libs</a:t>
+            </a:r>
+            <a:r>
               <a:rPr lang="zh-CN" altLang="en-US" sz="1800" dirty="0" smtClean="0">
                 <a:latin typeface="等线 Light" panose="02010600030101010101" pitchFamily="2" charset="-122"/>
                 <a:ea typeface="等线 Light" panose="02010600030101010101" pitchFamily="2" charset="-122"/>
               </a:rPr>
-              <a:t>创建 </a:t>
+              <a:t>目录，拷入所需要的</a:t>
             </a:r>
             <a:r>
               <a:rPr lang="en-US" altLang="zh-CN" sz="1800" dirty="0" smtClean="0">
                 <a:latin typeface="等线 Light" panose="02010600030101010101" pitchFamily="2" charset="-122"/>
                 <a:ea typeface="等线 Light" panose="02010600030101010101" pitchFamily="2" charset="-122"/>
               </a:rPr>
-              <a:t>Unity </a:t>
+              <a:t>so</a:t>
             </a:r>
             <a:r>
               <a:rPr lang="zh-CN" altLang="en-US" sz="1800" dirty="0" smtClean="0">
                 <a:latin typeface="等线 Light" panose="02010600030101010101" pitchFamily="2" charset="-122"/>
                 <a:ea typeface="等线 Light" panose="02010600030101010101" pitchFamily="2" charset="-122"/>
               </a:rPr>
-              <a:t>工程，并创建目录：</a:t>
-            </a:r>
-            <a:r>
-              <a:rPr lang="en-US" altLang="zh-CN" sz="1800" dirty="0" smtClean="0">
-                <a:latin typeface="等线 Light" panose="02010600030101010101" pitchFamily="2" charset="-122"/>
-                <a:ea typeface="等线 Light" panose="02010600030101010101" pitchFamily="2" charset="-122"/>
-              </a:rPr>
-              <a:t>Assets-&gt;Plugins-&gt;Android-&gt;bin</a:t>
-            </a:r>
+              <a:t>文件</a:t>
+            </a:r>
+            <a:endParaRPr lang="en-US" altLang="zh-CN" sz="1800" dirty="0" smtClean="0">
+              <a:latin typeface="等线 Light" panose="02010600030101010101" pitchFamily="2" charset="-122"/>
+              <a:ea typeface="等线 Light" panose="02010600030101010101" pitchFamily="2" charset="-122"/>
+            </a:endParaRPr>
           </a:p>
           <a:p>
             <a:pPr marL="109728" indent="0">
               <a:buNone/>
             </a:pPr>
             <a:r>
-              <a:rPr lang="en-US" altLang="zh-CN" sz="1800" dirty="0">
-                <a:latin typeface="等线 Light" panose="02010600030101010101" pitchFamily="2" charset="-122"/>
-                <a:ea typeface="等线 Light" panose="02010600030101010101" pitchFamily="2" charset="-122"/>
-              </a:rPr>
-              <a:t> </a:t>
+              <a:rPr lang="zh-CN" altLang="en-US" sz="1800" dirty="0" smtClean="0">
+                <a:latin typeface="等线 Light" panose="02010600030101010101" pitchFamily="2" charset="-122"/>
+                <a:ea typeface="等线 Light" panose="02010600030101010101" pitchFamily="2" charset="-122"/>
+              </a:rPr>
+              <a:t>不能将</a:t>
             </a:r>
             <a:r>
               <a:rPr lang="en-US" altLang="zh-CN" sz="1800" dirty="0" smtClean="0">
                 <a:latin typeface="等线 Light" panose="02010600030101010101" pitchFamily="2" charset="-122"/>
                 <a:ea typeface="等线 Light" panose="02010600030101010101" pitchFamily="2" charset="-122"/>
               </a:rPr>
-              <a:t>    </a:t>
+              <a:t>so</a:t>
             </a:r>
             <a:r>
               <a:rPr lang="zh-CN" altLang="en-US" sz="1800" dirty="0" smtClean="0">
                 <a:latin typeface="等线 Light" panose="02010600030101010101" pitchFamily="2" charset="-122"/>
                 <a:ea typeface="等线 Light" panose="02010600030101010101" pitchFamily="2" charset="-122"/>
               </a:rPr>
-              <a:t>放入 打包好的 </a:t>
+              <a:t>文件编译生成</a:t>
             </a:r>
             <a:r>
               <a:rPr lang="en-US" altLang="zh-CN" sz="1800" dirty="0" smtClean="0">
                 <a:latin typeface="等线 Light" panose="02010600030101010101" pitchFamily="2" charset="-122"/>
                 <a:ea typeface="等线 Light" panose="02010600030101010101" pitchFamily="2" charset="-122"/>
               </a:rPr>
-              <a:t>Android jar</a:t>
+              <a:t>jar</a:t>
+            </a:r>
+            <a:r>
+              <a:rPr lang="zh-CN" altLang="en-US" sz="1800" dirty="0" smtClean="0">
+                <a:latin typeface="等线 Light" panose="02010600030101010101" pitchFamily="2" charset="-122"/>
+                <a:ea typeface="等线 Light" panose="02010600030101010101" pitchFamily="2" charset="-122"/>
+              </a:rPr>
+              <a:t>，权限所致，仅需要引用即可</a:t>
             </a:r>
             <a:endParaRPr lang="zh-CN" altLang="en-US" sz="1800" dirty="0">
               <a:latin typeface="等线 Light" panose="02010600030101010101" pitchFamily="2" charset="-122"/>
@@ -7604,7 +8270,7 @@
       </p:sp>
       <p:sp>
         <p:nvSpPr>
-          <p:cNvPr id="3" name="标题 2"/>
+          <p:cNvPr id="4" name="标题 2"/>
           <p:cNvSpPr>
             <a:spLocks noGrp="1"/>
           </p:cNvSpPr>
@@ -7612,7 +8278,12 @@
             <p:ph type="title"/>
           </p:nvPr>
         </p:nvSpPr>
-        <p:spPr/>
+        <p:spPr>
+          <a:xfrm>
+            <a:off x="413454" y="260648"/>
+            <a:ext cx="8229600" cy="634082"/>
+          </a:xfrm>
+        </p:spPr>
         <p:txBody>
           <a:bodyPr>
             <a:normAutofit/>
@@ -7624,35 +8295,28 @@
                 <a:latin typeface="等线 Light" panose="02010600030101010101" pitchFamily="2" charset="-122"/>
                 <a:ea typeface="等线 Light" panose="02010600030101010101" pitchFamily="2" charset="-122"/>
               </a:rPr>
-              <a:t>Unity </a:t>
-            </a:r>
-            <a:r>
-              <a:rPr lang="zh-CN" altLang="en-US" sz="3200" dirty="0">
-                <a:latin typeface="等线 Light" panose="02010600030101010101" pitchFamily="2" charset="-122"/>
-                <a:ea typeface="等线 Light" panose="02010600030101010101" pitchFamily="2" charset="-122"/>
-              </a:rPr>
-              <a:t>加入</a:t>
-            </a:r>
-            <a:r>
-              <a:rPr lang="en-US" altLang="zh-CN" sz="3200" dirty="0">
-                <a:latin typeface="等线 Light" panose="02010600030101010101" pitchFamily="2" charset="-122"/>
-                <a:ea typeface="等线 Light" panose="02010600030101010101" pitchFamily="2" charset="-122"/>
-              </a:rPr>
-              <a:t>Android</a:t>
-            </a:r>
-            <a:r>
-              <a:rPr lang="zh-CN" altLang="en-US" sz="3200" dirty="0">
-                <a:latin typeface="等线 Light" panose="02010600030101010101" pitchFamily="2" charset="-122"/>
-                <a:ea typeface="等线 Light" panose="02010600030101010101" pitchFamily="2" charset="-122"/>
-              </a:rPr>
-              <a:t>生成的</a:t>
+              <a:t>Android </a:t>
+            </a:r>
+            <a:r>
+              <a:rPr lang="zh-CN" altLang="en-US" sz="3200" dirty="0" smtClean="0">
+                <a:latin typeface="等线 Light" panose="02010600030101010101" pitchFamily="2" charset="-122"/>
+                <a:ea typeface="等线 Light" panose="02010600030101010101" pitchFamily="2" charset="-122"/>
+              </a:rPr>
+              <a:t>引入</a:t>
             </a:r>
             <a:r>
               <a:rPr lang="en-US" altLang="zh-CN" sz="3200" dirty="0" smtClean="0">
                 <a:latin typeface="等线 Light" panose="02010600030101010101" pitchFamily="2" charset="-122"/>
                 <a:ea typeface="等线 Light" panose="02010600030101010101" pitchFamily="2" charset="-122"/>
               </a:rPr>
-              <a:t>jar</a:t>
+              <a:t>so</a:t>
+            </a:r>
+            <a:r>
+              <a:rPr lang="zh-CN" altLang="en-US" sz="3200" dirty="0" smtClean="0">
+                <a:latin typeface="等线 Light" panose="02010600030101010101" pitchFamily="2" charset="-122"/>
+                <a:ea typeface="等线 Light" panose="02010600030101010101" pitchFamily="2" charset="-122"/>
+              </a:rPr>
+              <a:t>文件</a:t>
             </a:r>
             <a:endParaRPr lang="zh-CN" altLang="en-US" sz="3200" dirty="0"/>
           </a:p>
@@ -7660,7 +8324,7 @@
       </p:sp>
       <p:pic>
         <p:nvPicPr>
-          <p:cNvPr id="5122" name="Picture 2"/>
+          <p:cNvPr id="1026" name="Picture 2"/>
           <p:cNvPicPr>
             <a:picLocks noChangeAspect="1" noChangeArrowheads="1"/>
           </p:cNvPicPr>
@@ -7681,8 +8345,8 @@
         </p:blipFill>
         <p:spPr bwMode="auto">
           <a:xfrm>
-            <a:off x="1763688" y="2276872"/>
-            <a:ext cx="5438775" cy="3390900"/>
+            <a:off x="755576" y="1619221"/>
+            <a:ext cx="3413579" cy="3816424"/>
           </a:xfrm>
           <a:prstGeom prst="rect">
             <a:avLst/>
@@ -7712,10 +8376,110 @@
           </a:extLst>
         </p:spPr>
       </p:pic>
+      <p:sp>
+        <p:nvSpPr>
+          <p:cNvPr id="5" name="TextBox 4"/>
+          <p:cNvSpPr txBox="1"/>
+          <p:nvPr/>
+        </p:nvSpPr>
+        <p:spPr>
+          <a:xfrm>
+            <a:off x="5508104" y="2852936"/>
+            <a:ext cx="2592288" cy="923330"/>
+          </a:xfrm>
+          <a:prstGeom prst="rect">
+            <a:avLst/>
+          </a:prstGeom>
+          <a:noFill/>
+        </p:spPr>
+        <p:txBody>
+          <a:bodyPr wrap="square" rtlCol="0">
+            <a:spAutoFit/>
+          </a:bodyPr>
+          <a:lstStyle/>
+          <a:p>
+            <a:r>
+              <a:rPr lang="zh-CN" altLang="en-US" b="1" dirty="0" smtClean="0">
+                <a:latin typeface="等线 Light" panose="02010600030101010101" pitchFamily="2" charset="-122"/>
+                <a:ea typeface="等线 Light" panose="02010600030101010101" pitchFamily="2" charset="-122"/>
+              </a:rPr>
+              <a:t>新建文件夹 </a:t>
+            </a:r>
+            <a:r>
+              <a:rPr lang="en-US" altLang="zh-CN" b="1" dirty="0" smtClean="0">
+                <a:latin typeface="等线 Light" panose="02010600030101010101" pitchFamily="2" charset="-122"/>
+                <a:ea typeface="等线 Light" panose="02010600030101010101" pitchFamily="2" charset="-122"/>
+              </a:rPr>
+              <a:t>jniLibs</a:t>
+            </a:r>
+          </a:p>
+          <a:p>
+            <a:r>
+              <a:rPr lang="zh-CN" altLang="en-US" b="1" dirty="0">
+                <a:latin typeface="等线 Light" panose="02010600030101010101" pitchFamily="2" charset="-122"/>
+                <a:ea typeface="等线 Light" panose="02010600030101010101" pitchFamily="2" charset="-122"/>
+              </a:rPr>
+              <a:t>拷</a:t>
+            </a:r>
+            <a:r>
+              <a:rPr lang="zh-CN" altLang="en-US" b="1" dirty="0" smtClean="0">
+                <a:latin typeface="等线 Light" panose="02010600030101010101" pitchFamily="2" charset="-122"/>
+                <a:ea typeface="等线 Light" panose="02010600030101010101" pitchFamily="2" charset="-122"/>
+              </a:rPr>
+              <a:t>入所需要的 </a:t>
+            </a:r>
+            <a:r>
+              <a:rPr lang="en-US" altLang="zh-CN" b="1" dirty="0" smtClean="0">
+                <a:latin typeface="等线 Light" panose="02010600030101010101" pitchFamily="2" charset="-122"/>
+                <a:ea typeface="等线 Light" panose="02010600030101010101" pitchFamily="2" charset="-122"/>
+              </a:rPr>
+              <a:t>so </a:t>
+            </a:r>
+            <a:r>
+              <a:rPr lang="zh-CN" altLang="en-US" b="1" dirty="0" smtClean="0">
+                <a:latin typeface="等线 Light" panose="02010600030101010101" pitchFamily="2" charset="-122"/>
+                <a:ea typeface="等线 Light" panose="02010600030101010101" pitchFamily="2" charset="-122"/>
+              </a:rPr>
+              <a:t>文件</a:t>
+            </a:r>
+            <a:endParaRPr lang="en-US" altLang="zh-CN" b="1" dirty="0" smtClean="0">
+              <a:latin typeface="等线 Light" panose="02010600030101010101" pitchFamily="2" charset="-122"/>
+              <a:ea typeface="等线 Light" panose="02010600030101010101" pitchFamily="2" charset="-122"/>
+            </a:endParaRPr>
+          </a:p>
+          <a:p>
+            <a:r>
+              <a:rPr lang="zh-CN" altLang="en-US" b="1" dirty="0">
+                <a:latin typeface="等线 Light" panose="02010600030101010101" pitchFamily="2" charset="-122"/>
+                <a:ea typeface="等线 Light" panose="02010600030101010101" pitchFamily="2" charset="-122"/>
+              </a:rPr>
+              <a:t>不</a:t>
+            </a:r>
+            <a:r>
+              <a:rPr lang="zh-CN" altLang="en-US" b="1" dirty="0" smtClean="0">
+                <a:latin typeface="等线 Light" panose="02010600030101010101" pitchFamily="2" charset="-122"/>
+                <a:ea typeface="等线 Light" panose="02010600030101010101" pitchFamily="2" charset="-122"/>
+              </a:rPr>
+              <a:t>需要修改 </a:t>
+            </a:r>
+            <a:r>
+              <a:rPr lang="en-US" altLang="zh-CN" b="1" dirty="0" smtClean="0">
+                <a:latin typeface="等线 Light" panose="02010600030101010101" pitchFamily="2" charset="-122"/>
+                <a:ea typeface="等线 Light" panose="02010600030101010101" pitchFamily="2" charset="-122"/>
+              </a:rPr>
+              <a:t>gradle</a:t>
+            </a:r>
+            <a:endParaRPr lang="zh-CN" altLang="en-US" b="1" dirty="0">
+              <a:latin typeface="等线 Light" panose="02010600030101010101" pitchFamily="2" charset="-122"/>
+              <a:ea typeface="等线 Light" panose="02010600030101010101" pitchFamily="2" charset="-122"/>
+            </a:endParaRPr>
+          </a:p>
+        </p:txBody>
+      </p:sp>
     </p:spTree>
     <p:extLst>
       <p:ext uri="{BB962C8B-B14F-4D97-AF65-F5344CB8AC3E}">
-        <p14:creationId xmlns:p14="http://schemas.microsoft.com/office/powerpoint/2010/main" val="3430436745"/>
+        <p14:creationId xmlns:p14="http://schemas.microsoft.com/office/powerpoint/2010/main" val="1922743882"/>
       </p:ext>
     </p:extLst>
   </p:cSld>
@@ -7752,7 +8516,12 @@
             <p:ph idx="1"/>
           </p:nvPr>
         </p:nvSpPr>
-        <p:spPr/>
+        <p:spPr>
+          <a:xfrm>
+            <a:off x="457200" y="903287"/>
+            <a:ext cx="8229600" cy="4525963"/>
+          </a:xfrm>
+        </p:spPr>
         <p:txBody>
           <a:bodyPr>
             <a:normAutofit/>
@@ -7764,70 +8533,21 @@
                 <a:latin typeface="等线 Light" panose="02010600030101010101" pitchFamily="2" charset="-122"/>
                 <a:ea typeface="等线 Light" panose="02010600030101010101" pitchFamily="2" charset="-122"/>
               </a:rPr>
-              <a:t>在 </a:t>
+              <a:t>修改 </a:t>
             </a:r>
             <a:r>
               <a:rPr lang="en-US" altLang="zh-CN" sz="1800" dirty="0" smtClean="0">
                 <a:latin typeface="等线 Light" panose="02010600030101010101" pitchFamily="2" charset="-122"/>
                 <a:ea typeface="等线 Light" panose="02010600030101010101" pitchFamily="2" charset="-122"/>
               </a:rPr>
-              <a:t>Unity Android </a:t>
+              <a:t>build.gradle</a:t>
             </a:r>
             <a:r>
               <a:rPr lang="zh-CN" altLang="en-US" sz="1800" dirty="0" smtClean="0">
                 <a:latin typeface="等线 Light" panose="02010600030101010101" pitchFamily="2" charset="-122"/>
                 <a:ea typeface="等线 Light" panose="02010600030101010101" pitchFamily="2" charset="-122"/>
               </a:rPr>
-              <a:t>文件夹内加载 原 </a:t>
-            </a:r>
-            <a:r>
-              <a:rPr lang="en-US" altLang="zh-CN" sz="1800" dirty="0" smtClean="0">
-                <a:latin typeface="等线 Light" panose="02010600030101010101" pitchFamily="2" charset="-122"/>
-                <a:ea typeface="等线 Light" panose="02010600030101010101" pitchFamily="2" charset="-122"/>
-              </a:rPr>
-              <a:t>Android </a:t>
-            </a:r>
-            <a:r>
-              <a:rPr lang="zh-CN" altLang="en-US" sz="1800" dirty="0" smtClean="0">
-                <a:latin typeface="等线 Light" panose="02010600030101010101" pitchFamily="2" charset="-122"/>
-                <a:ea typeface="等线 Light" panose="02010600030101010101" pitchFamily="2" charset="-122"/>
-              </a:rPr>
-              <a:t>工程的 </a:t>
-            </a:r>
-            <a:r>
-              <a:rPr lang="en-US" altLang="zh-CN" sz="1800" dirty="0" smtClean="0">
-                <a:latin typeface="等线 Light" panose="02010600030101010101" pitchFamily="2" charset="-122"/>
-                <a:ea typeface="等线 Light" panose="02010600030101010101" pitchFamily="2" charset="-122"/>
-              </a:rPr>
-              <a:t>assets</a:t>
-            </a:r>
-            <a:r>
-              <a:rPr lang="zh-CN" altLang="en-US" sz="1800" dirty="0" smtClean="0">
-                <a:latin typeface="等线 Light" panose="02010600030101010101" pitchFamily="2" charset="-122"/>
-                <a:ea typeface="等线 Light" panose="02010600030101010101" pitchFamily="2" charset="-122"/>
-              </a:rPr>
-              <a:t>、</a:t>
-            </a:r>
-            <a:r>
-              <a:rPr lang="en-US" altLang="zh-CN" sz="1800" dirty="0" smtClean="0">
-                <a:latin typeface="等线 Light" panose="02010600030101010101" pitchFamily="2" charset="-122"/>
-                <a:ea typeface="等线 Light" panose="02010600030101010101" pitchFamily="2" charset="-122"/>
-              </a:rPr>
-              <a:t>res</a:t>
-            </a:r>
-            <a:r>
-              <a:rPr lang="zh-CN" altLang="en-US" sz="1800" dirty="0" smtClean="0">
-                <a:latin typeface="等线 Light" panose="02010600030101010101" pitchFamily="2" charset="-122"/>
-                <a:ea typeface="等线 Light" panose="02010600030101010101" pitchFamily="2" charset="-122"/>
-              </a:rPr>
-              <a:t>、</a:t>
-            </a:r>
-            <a:r>
-              <a:rPr lang="en-US" altLang="zh-CN" sz="1800" dirty="0" smtClean="0">
-                <a:latin typeface="等线 Light" panose="02010600030101010101" pitchFamily="2" charset="-122"/>
-                <a:ea typeface="等线 Light" panose="02010600030101010101" pitchFamily="2" charset="-122"/>
-              </a:rPr>
-              <a:t>AndroidManifest</a:t>
+              <a:t>，</a:t>
             </a:r>
             <a:endParaRPr lang="zh-CN" altLang="en-US" sz="1800" dirty="0">
               <a:latin typeface="等线 Light" panose="02010600030101010101" pitchFamily="2" charset="-122"/>
@@ -7838,7 +8558,7 @@
       </p:sp>
       <p:sp>
         <p:nvSpPr>
-          <p:cNvPr id="3" name="标题 2"/>
+          <p:cNvPr id="4" name="标题 2"/>
           <p:cNvSpPr>
             <a:spLocks noGrp="1"/>
           </p:cNvSpPr>
@@ -7846,7 +8566,12 @@
             <p:ph type="title"/>
           </p:nvPr>
         </p:nvSpPr>
-        <p:spPr/>
+        <p:spPr>
+          <a:xfrm>
+            <a:off x="413454" y="260648"/>
+            <a:ext cx="8229600" cy="634082"/>
+          </a:xfrm>
+        </p:spPr>
         <p:txBody>
           <a:bodyPr>
             <a:normAutofit/>
@@ -7858,35 +8583,35 @@
                 <a:latin typeface="等线 Light" panose="02010600030101010101" pitchFamily="2" charset="-122"/>
                 <a:ea typeface="等线 Light" panose="02010600030101010101" pitchFamily="2" charset="-122"/>
               </a:rPr>
-              <a:t>Unity </a:t>
-            </a:r>
-            <a:r>
-              <a:rPr lang="zh-CN" altLang="en-US" sz="3200" dirty="0">
-                <a:latin typeface="等线 Light" panose="02010600030101010101" pitchFamily="2" charset="-122"/>
-                <a:ea typeface="等线 Light" panose="02010600030101010101" pitchFamily="2" charset="-122"/>
-              </a:rPr>
-              <a:t>加入</a:t>
-            </a:r>
-            <a:r>
-              <a:rPr lang="en-US" altLang="zh-CN" sz="3200" dirty="0">
-                <a:latin typeface="等线 Light" panose="02010600030101010101" pitchFamily="2" charset="-122"/>
-                <a:ea typeface="等线 Light" panose="02010600030101010101" pitchFamily="2" charset="-122"/>
-              </a:rPr>
-              <a:t>Android</a:t>
-            </a:r>
-            <a:r>
-              <a:rPr lang="zh-CN" altLang="en-US" sz="3200" dirty="0">
-                <a:latin typeface="等线 Light" panose="02010600030101010101" pitchFamily="2" charset="-122"/>
-                <a:ea typeface="等线 Light" panose="02010600030101010101" pitchFamily="2" charset="-122"/>
-              </a:rPr>
-              <a:t>资源及</a:t>
+              <a:t>Android </a:t>
+            </a:r>
+            <a:r>
+              <a:rPr lang="zh-CN" altLang="en-US" sz="3200" dirty="0" smtClean="0">
+                <a:latin typeface="等线 Light" panose="02010600030101010101" pitchFamily="2" charset="-122"/>
+                <a:ea typeface="等线 Light" panose="02010600030101010101" pitchFamily="2" charset="-122"/>
+              </a:rPr>
+              <a:t>引入</a:t>
             </a:r>
             <a:r>
               <a:rPr lang="en-US" altLang="zh-CN" sz="3200" dirty="0" smtClean="0">
                 <a:latin typeface="等线 Light" panose="02010600030101010101" pitchFamily="2" charset="-122"/>
                 <a:ea typeface="等线 Light" panose="02010600030101010101" pitchFamily="2" charset="-122"/>
               </a:rPr>
-              <a:t>Manifest</a:t>
+              <a:t>so</a:t>
+            </a:r>
+            <a:r>
+              <a:rPr lang="zh-CN" altLang="en-US" sz="3200" dirty="0" smtClean="0">
+                <a:latin typeface="等线 Light" panose="02010600030101010101" pitchFamily="2" charset="-122"/>
+                <a:ea typeface="等线 Light" panose="02010600030101010101" pitchFamily="2" charset="-122"/>
+              </a:rPr>
+              <a:t>文件编译生成</a:t>
+            </a:r>
+            <a:r>
+              <a:rPr lang="en-US" altLang="zh-CN" sz="3200" dirty="0" smtClean="0">
+                <a:latin typeface="等线 Light" panose="02010600030101010101" pitchFamily="2" charset="-122"/>
+                <a:ea typeface="等线 Light" panose="02010600030101010101" pitchFamily="2" charset="-122"/>
+              </a:rPr>
+              <a:t>jar</a:t>
             </a:r>
             <a:endParaRPr lang="zh-CN" altLang="en-US" sz="3200" dirty="0"/>
           </a:p>
@@ -7894,7 +8619,7 @@
       </p:sp>
       <p:pic>
         <p:nvPicPr>
-          <p:cNvPr id="6146" name="Picture 2"/>
+          <p:cNvPr id="2050" name="Picture 2"/>
           <p:cNvPicPr>
             <a:picLocks noChangeAspect="1" noChangeArrowheads="1"/>
           </p:cNvPicPr>
@@ -7915,8 +8640,8 @@
         </p:blipFill>
         <p:spPr bwMode="auto">
           <a:xfrm>
-            <a:off x="1619672" y="2204864"/>
-            <a:ext cx="5438775" cy="3362325"/>
+            <a:off x="890589" y="1268760"/>
+            <a:ext cx="7209804" cy="4000500"/>
           </a:xfrm>
           <a:prstGeom prst="rect">
             <a:avLst/>
@@ -7946,10 +8671,150 @@
           </a:extLst>
         </p:spPr>
       </p:pic>
+      <p:sp>
+        <p:nvSpPr>
+          <p:cNvPr id="5" name="TextBox 4"/>
+          <p:cNvSpPr txBox="1"/>
+          <p:nvPr/>
+        </p:nvSpPr>
+        <p:spPr>
+          <a:xfrm>
+            <a:off x="1547664" y="5445224"/>
+            <a:ext cx="7196201" cy="646331"/>
+          </a:xfrm>
+          <a:prstGeom prst="rect">
+            <a:avLst/>
+          </a:prstGeom>
+          <a:noFill/>
+        </p:spPr>
+        <p:txBody>
+          <a:bodyPr wrap="none" rtlCol="0">
+            <a:spAutoFit/>
+          </a:bodyPr>
+          <a:lstStyle/>
+          <a:p>
+            <a:r>
+              <a:rPr lang="zh-CN" altLang="en-US" dirty="0">
+                <a:latin typeface="等线 Light" panose="02010600030101010101" pitchFamily="2" charset="-122"/>
+                <a:ea typeface="等线 Light" panose="02010600030101010101" pitchFamily="2" charset="-122"/>
+              </a:rPr>
+              <a:t>将所有需要的</a:t>
+            </a:r>
+            <a:r>
+              <a:rPr lang="en-US" altLang="zh-CN" dirty="0">
+                <a:latin typeface="等线 Light" panose="02010600030101010101" pitchFamily="2" charset="-122"/>
+                <a:ea typeface="等线 Light" panose="02010600030101010101" pitchFamily="2" charset="-122"/>
+              </a:rPr>
+              <a:t>so</a:t>
+            </a:r>
+            <a:r>
+              <a:rPr lang="zh-CN" altLang="en-US" dirty="0">
+                <a:latin typeface="等线 Light" panose="02010600030101010101" pitchFamily="2" charset="-122"/>
+                <a:ea typeface="等线 Light" panose="02010600030101010101" pitchFamily="2" charset="-122"/>
+              </a:rPr>
+              <a:t>文件压缩为</a:t>
+            </a:r>
+            <a:r>
+              <a:rPr lang="en-US" altLang="zh-CN" dirty="0">
+                <a:latin typeface="等线 Light" panose="02010600030101010101" pitchFamily="2" charset="-122"/>
+                <a:ea typeface="等线 Light" panose="02010600030101010101" pitchFamily="2" charset="-122"/>
+              </a:rPr>
+              <a:t>zip</a:t>
+            </a:r>
+            <a:r>
+              <a:rPr lang="zh-CN" altLang="en-US" dirty="0">
+                <a:latin typeface="等线 Light" panose="02010600030101010101" pitchFamily="2" charset="-122"/>
+                <a:ea typeface="等线 Light" panose="02010600030101010101" pitchFamily="2" charset="-122"/>
+              </a:rPr>
+              <a:t>文件（目录结构为：</a:t>
+            </a:r>
+            <a:r>
+              <a:rPr lang="en-US" altLang="zh-CN" dirty="0">
+                <a:latin typeface="等线 Light" panose="02010600030101010101" pitchFamily="2" charset="-122"/>
+                <a:ea typeface="等线 Light" panose="02010600030101010101" pitchFamily="2" charset="-122"/>
+              </a:rPr>
+              <a:t>lib/armeabi/*.so</a:t>
+            </a:r>
+            <a:r>
+              <a:rPr lang="zh-CN" altLang="en-US" dirty="0">
+                <a:latin typeface="等线 Light" panose="02010600030101010101" pitchFamily="2" charset="-122"/>
+                <a:ea typeface="等线 Light" panose="02010600030101010101" pitchFamily="2" charset="-122"/>
+              </a:rPr>
+              <a:t>）</a:t>
+            </a:r>
+            <a:endParaRPr lang="en-US" altLang="zh-CN" dirty="0">
+              <a:latin typeface="等线 Light" panose="02010600030101010101" pitchFamily="2" charset="-122"/>
+              <a:ea typeface="等线 Light" panose="02010600030101010101" pitchFamily="2" charset="-122"/>
+            </a:endParaRPr>
+          </a:p>
+          <a:p>
+            <a:r>
+              <a:rPr lang="zh-CN" altLang="en-US" dirty="0">
+                <a:latin typeface="等线 Light" panose="02010600030101010101" pitchFamily="2" charset="-122"/>
+                <a:ea typeface="等线 Light" panose="02010600030101010101" pitchFamily="2" charset="-122"/>
+              </a:rPr>
+              <a:t>重命名为 </a:t>
+            </a:r>
+            <a:r>
+              <a:rPr lang="en-US" altLang="zh-CN" dirty="0">
+                <a:latin typeface="等线 Light" panose="02010600030101010101" pitchFamily="2" charset="-122"/>
+                <a:ea typeface="等线 Light" panose="02010600030101010101" pitchFamily="2" charset="-122"/>
+              </a:rPr>
+              <a:t>armeabi.jar</a:t>
+            </a:r>
+            <a:r>
+              <a:rPr lang="zh-CN" altLang="en-US" dirty="0">
+                <a:latin typeface="等线 Light" panose="02010600030101010101" pitchFamily="2" charset="-122"/>
+                <a:ea typeface="等线 Light" panose="02010600030101010101" pitchFamily="2" charset="-122"/>
+              </a:rPr>
+              <a:t>，添加到 </a:t>
+            </a:r>
+            <a:r>
+              <a:rPr lang="en-US" altLang="zh-CN" dirty="0">
+                <a:latin typeface="等线 Light" panose="02010600030101010101" pitchFamily="2" charset="-122"/>
+                <a:ea typeface="等线 Light" panose="02010600030101010101" pitchFamily="2" charset="-122"/>
+              </a:rPr>
+              <a:t>libs </a:t>
+            </a:r>
+            <a:r>
+              <a:rPr lang="zh-CN" altLang="en-US" dirty="0">
+                <a:latin typeface="等线 Light" panose="02010600030101010101" pitchFamily="2" charset="-122"/>
+                <a:ea typeface="等线 Light" panose="02010600030101010101" pitchFamily="2" charset="-122"/>
+              </a:rPr>
+              <a:t>路径，然后同引入</a:t>
+            </a:r>
+            <a:r>
+              <a:rPr lang="en-US" altLang="zh-CN" dirty="0">
+                <a:latin typeface="等线 Light" panose="02010600030101010101" pitchFamily="2" charset="-122"/>
+                <a:ea typeface="等线 Light" panose="02010600030101010101" pitchFamily="2" charset="-122"/>
+              </a:rPr>
+              <a:t>jar</a:t>
+            </a:r>
+            <a:r>
+              <a:rPr lang="zh-CN" altLang="en-US" dirty="0" smtClean="0">
+                <a:latin typeface="等线 Light" panose="02010600030101010101" pitchFamily="2" charset="-122"/>
+                <a:ea typeface="等线 Light" panose="02010600030101010101" pitchFamily="2" charset="-122"/>
+              </a:rPr>
+              <a:t>，</a:t>
+            </a:r>
+            <a:r>
+              <a:rPr lang="en-US" altLang="zh-CN" dirty="0" smtClean="0">
+                <a:latin typeface="等线 Light" panose="02010600030101010101" pitchFamily="2" charset="-122"/>
+                <a:ea typeface="等线 Light" panose="02010600030101010101" pitchFamily="2" charset="-122"/>
+              </a:rPr>
+              <a:t>AddIsLibrary</a:t>
+            </a:r>
+            <a:endParaRPr lang="zh-CN" altLang="en-US" dirty="0">
+              <a:latin typeface="等线 Light" panose="02010600030101010101" pitchFamily="2" charset="-122"/>
+              <a:ea typeface="等线 Light" panose="02010600030101010101" pitchFamily="2" charset="-122"/>
+            </a:endParaRPr>
+          </a:p>
+        </p:txBody>
+      </p:sp>
     </p:spTree>
     <p:extLst>
       <p:ext uri="{BB962C8B-B14F-4D97-AF65-F5344CB8AC3E}">
-        <p14:creationId xmlns:p14="http://schemas.microsoft.com/office/powerpoint/2010/main" val="3669192144"/>
+        <p14:creationId xmlns:p14="http://schemas.microsoft.com/office/powerpoint/2010/main" val="416360604"/>
       </p:ext>
     </p:extLst>
   </p:cSld>
@@ -7988,7 +8853,7 @@
         </p:nvSpPr>
         <p:spPr>
           <a:xfrm>
-            <a:off x="467544" y="764704"/>
+            <a:off x="467544" y="1052736"/>
             <a:ext cx="8229600" cy="4525963"/>
           </a:xfrm>
         </p:spPr>
@@ -8003,22 +8868,284 @@
                 <a:latin typeface="等线 Light" panose="02010600030101010101" pitchFamily="2" charset="-122"/>
                 <a:ea typeface="等线 Light" panose="02010600030101010101" pitchFamily="2" charset="-122"/>
               </a:rPr>
-              <a:t>编写一个 </a:t>
+              <a:t>新建包，包名必须与</a:t>
             </a:r>
             <a:r>
               <a:rPr lang="en-US" altLang="zh-CN" sz="1800" dirty="0" smtClean="0">
                 <a:latin typeface="等线 Light" panose="02010600030101010101" pitchFamily="2" charset="-122"/>
                 <a:ea typeface="等线 Light" panose="02010600030101010101" pitchFamily="2" charset="-122"/>
               </a:rPr>
-              <a:t>js001 </a:t>
+              <a:t>so</a:t>
             </a:r>
             <a:r>
               <a:rPr lang="zh-CN" altLang="en-US" sz="1800" dirty="0" smtClean="0">
                 <a:latin typeface="等线 Light" panose="02010600030101010101" pitchFamily="2" charset="-122"/>
                 <a:ea typeface="等线 Light" panose="02010600030101010101" pitchFamily="2" charset="-122"/>
               </a:rPr>
-              <a:t>脚本，并绑定到 主摄像机，并保存当前的场景</a:t>
-            </a:r>
+              <a:t>库的包名一致</a:t>
+            </a:r>
+            <a:endParaRPr lang="en-US" altLang="zh-CN" sz="1800" dirty="0" smtClean="0">
+              <a:latin typeface="等线 Light" panose="02010600030101010101" pitchFamily="2" charset="-122"/>
+              <a:ea typeface="等线 Light" panose="02010600030101010101" pitchFamily="2" charset="-122"/>
+            </a:endParaRPr>
+          </a:p>
+          <a:p>
+            <a:pPr marL="109728" indent="0">
+              <a:buNone/>
+            </a:pPr>
+            <a:r>
+              <a:rPr lang="en-US" altLang="zh-CN" sz="1800" dirty="0">
+                <a:latin typeface="等线 Light" panose="02010600030101010101" pitchFamily="2" charset="-122"/>
+                <a:ea typeface="等线 Light" panose="02010600030101010101" pitchFamily="2" charset="-122"/>
+              </a:rPr>
+              <a:t> </a:t>
+            </a:r>
+            <a:r>
+              <a:rPr lang="en-US" altLang="zh-CN" sz="1800" dirty="0" smtClean="0">
+                <a:latin typeface="等线 Light" panose="02010600030101010101" pitchFamily="2" charset="-122"/>
+                <a:ea typeface="等线 Light" panose="02010600030101010101" pitchFamily="2" charset="-122"/>
+              </a:rPr>
+              <a:t>  </a:t>
+            </a:r>
+            <a:r>
+              <a:rPr lang="zh-CN" altLang="en-US" sz="1800" dirty="0" smtClean="0">
+                <a:latin typeface="等线 Light" panose="02010600030101010101" pitchFamily="2" charset="-122"/>
+                <a:ea typeface="等线 Light" panose="02010600030101010101" pitchFamily="2" charset="-122"/>
+              </a:rPr>
+              <a:t>一般三方同时提供</a:t>
+            </a:r>
+            <a:r>
+              <a:rPr lang="en-US" altLang="zh-CN" sz="1800" dirty="0" smtClean="0">
+                <a:latin typeface="等线 Light" panose="02010600030101010101" pitchFamily="2" charset="-122"/>
+                <a:ea typeface="等线 Light" panose="02010600030101010101" pitchFamily="2" charset="-122"/>
+              </a:rPr>
+              <a:t>so</a:t>
+            </a:r>
+            <a:r>
+              <a:rPr lang="zh-CN" altLang="en-US" sz="1800" dirty="0" smtClean="0">
+                <a:latin typeface="等线 Light" panose="02010600030101010101" pitchFamily="2" charset="-122"/>
+                <a:ea typeface="等线 Light" panose="02010600030101010101" pitchFamily="2" charset="-122"/>
+              </a:rPr>
+              <a:t>文件及相应的</a:t>
+            </a:r>
+            <a:r>
+              <a:rPr lang="en-US" altLang="zh-CN" sz="1800" dirty="0" smtClean="0">
+                <a:latin typeface="等线 Light" panose="02010600030101010101" pitchFamily="2" charset="-122"/>
+                <a:ea typeface="等线 Light" panose="02010600030101010101" pitchFamily="2" charset="-122"/>
+              </a:rPr>
+              <a:t>h</a:t>
+            </a:r>
+            <a:r>
+              <a:rPr lang="zh-CN" altLang="en-US" sz="1800" dirty="0" smtClean="0">
+                <a:latin typeface="等线 Light" panose="02010600030101010101" pitchFamily="2" charset="-122"/>
+                <a:ea typeface="等线 Light" panose="02010600030101010101" pitchFamily="2" charset="-122"/>
+              </a:rPr>
+              <a:t>文件，以指明包名及包含的方法</a:t>
+            </a:r>
+            <a:endParaRPr lang="en-US" altLang="zh-CN" sz="1800" dirty="0" smtClean="0">
+              <a:latin typeface="等线 Light" panose="02010600030101010101" pitchFamily="2" charset="-122"/>
+              <a:ea typeface="等线 Light" panose="02010600030101010101" pitchFamily="2" charset="-122"/>
+            </a:endParaRPr>
+          </a:p>
+          <a:p>
+            <a:pPr marL="109728" indent="0">
+              <a:buNone/>
+            </a:pPr>
+            <a:endParaRPr lang="en-US" altLang="zh-CN" sz="1800" dirty="0">
+              <a:latin typeface="等线 Light" panose="02010600030101010101" pitchFamily="2" charset="-122"/>
+              <a:ea typeface="等线 Light" panose="02010600030101010101" pitchFamily="2" charset="-122"/>
+            </a:endParaRPr>
+          </a:p>
+          <a:p>
+            <a:r>
+              <a:rPr lang="en-US" altLang="zh-CN" sz="1800" dirty="0">
+                <a:latin typeface="Arial" panose="020B0604020202020204" pitchFamily="34" charset="0"/>
+                <a:cs typeface="Arial" panose="020B0604020202020204" pitchFamily="34" charset="0"/>
+              </a:rPr>
+              <a:t>public class </a:t>
+            </a:r>
+            <a:r>
+              <a:rPr lang="en-US" altLang="zh-CN" sz="1800" dirty="0" err="1">
+                <a:latin typeface="Arial" panose="020B0604020202020204" pitchFamily="34" charset="0"/>
+                <a:cs typeface="Arial" panose="020B0604020202020204" pitchFamily="34" charset="0"/>
+              </a:rPr>
+              <a:t>NativeDemo</a:t>
+            </a:r>
+            <a:r>
+              <a:rPr lang="en-US" altLang="zh-CN" sz="1800" dirty="0">
+                <a:latin typeface="Arial" panose="020B0604020202020204" pitchFamily="34" charset="0"/>
+                <a:cs typeface="Arial" panose="020B0604020202020204" pitchFamily="34" charset="0"/>
+              </a:rPr>
+              <a:t> { </a:t>
+            </a:r>
+          </a:p>
+          <a:p>
+            <a:r>
+              <a:rPr lang="en-US" altLang="zh-CN" sz="1800" dirty="0">
+                <a:latin typeface="Arial" panose="020B0604020202020204" pitchFamily="34" charset="0"/>
+                <a:cs typeface="Arial" panose="020B0604020202020204" pitchFamily="34" charset="0"/>
+              </a:rPr>
+              <a:t>    static { </a:t>
+            </a:r>
+          </a:p>
+          <a:p>
+            <a:r>
+              <a:rPr lang="en-US" altLang="zh-CN" sz="1800" dirty="0">
+                <a:latin typeface="Arial" panose="020B0604020202020204" pitchFamily="34" charset="0"/>
+                <a:cs typeface="Arial" panose="020B0604020202020204" pitchFamily="34" charset="0"/>
+              </a:rPr>
+              <a:t>        //</a:t>
+            </a:r>
+            <a:r>
+              <a:rPr lang="zh-CN" altLang="en-US" sz="1800" dirty="0">
+                <a:latin typeface="Arial" panose="020B0604020202020204" pitchFamily="34" charset="0"/>
+                <a:cs typeface="Arial" panose="020B0604020202020204" pitchFamily="34" charset="0"/>
+              </a:rPr>
+              <a:t>加载需要使用的库 </a:t>
+            </a:r>
+          </a:p>
+          <a:p>
+            <a:r>
+              <a:rPr lang="zh-CN" altLang="en-US" sz="1800" dirty="0">
+                <a:latin typeface="Arial" panose="020B0604020202020204" pitchFamily="34" charset="0"/>
+                <a:cs typeface="Arial" panose="020B0604020202020204" pitchFamily="34" charset="0"/>
+              </a:rPr>
+              <a:t>        </a:t>
+            </a:r>
+            <a:r>
+              <a:rPr lang="en-US" altLang="zh-CN" sz="1800" dirty="0" err="1">
+                <a:latin typeface="Arial" panose="020B0604020202020204" pitchFamily="34" charset="0"/>
+                <a:cs typeface="Arial" panose="020B0604020202020204" pitchFamily="34" charset="0"/>
+              </a:rPr>
+              <a:t>System.loadLibrary</a:t>
+            </a:r>
+            <a:r>
+              <a:rPr lang="en-US" altLang="zh-CN" sz="1800" dirty="0">
+                <a:latin typeface="Arial" panose="020B0604020202020204" pitchFamily="34" charset="0"/>
+                <a:cs typeface="Arial" panose="020B0604020202020204" pitchFamily="34" charset="0"/>
+              </a:rPr>
+              <a:t>("</a:t>
+            </a:r>
+            <a:r>
+              <a:rPr lang="en-US" altLang="zh-CN" sz="1800" dirty="0" err="1">
+                <a:latin typeface="Arial" panose="020B0604020202020204" pitchFamily="34" charset="0"/>
+                <a:cs typeface="Arial" panose="020B0604020202020204" pitchFamily="34" charset="0"/>
+              </a:rPr>
+              <a:t>DemoModule</a:t>
+            </a:r>
+            <a:r>
+              <a:rPr lang="en-US" altLang="zh-CN" sz="1800" dirty="0">
+                <a:latin typeface="Arial" panose="020B0604020202020204" pitchFamily="34" charset="0"/>
+                <a:cs typeface="Arial" panose="020B0604020202020204" pitchFamily="34" charset="0"/>
+              </a:rPr>
+              <a:t>"); </a:t>
+            </a:r>
+          </a:p>
+          <a:p>
+            <a:r>
+              <a:rPr lang="en-US" altLang="zh-CN" sz="1800" dirty="0">
+                <a:latin typeface="Arial" panose="020B0604020202020204" pitchFamily="34" charset="0"/>
+                <a:cs typeface="Arial" panose="020B0604020202020204" pitchFamily="34" charset="0"/>
+              </a:rPr>
+              <a:t>    } </a:t>
+            </a:r>
+          </a:p>
+          <a:p>
+            <a:r>
+              <a:rPr lang="en-US" altLang="zh-CN" sz="1800" dirty="0">
+                <a:latin typeface="Arial" panose="020B0604020202020204" pitchFamily="34" charset="0"/>
+                <a:cs typeface="Arial" panose="020B0604020202020204" pitchFamily="34" charset="0"/>
+              </a:rPr>
+              <a:t> </a:t>
+            </a:r>
+          </a:p>
+          <a:p>
+            <a:r>
+              <a:rPr lang="en-US" altLang="zh-CN" sz="1800" dirty="0">
+                <a:latin typeface="Arial" panose="020B0604020202020204" pitchFamily="34" charset="0"/>
+                <a:cs typeface="Arial" panose="020B0604020202020204" pitchFamily="34" charset="0"/>
+              </a:rPr>
+              <a:t>    //</a:t>
+            </a:r>
+            <a:r>
+              <a:rPr lang="zh-CN" altLang="en-US" sz="1800" dirty="0">
+                <a:latin typeface="Arial" panose="020B0604020202020204" pitchFamily="34" charset="0"/>
+                <a:cs typeface="Arial" panose="020B0604020202020204" pitchFamily="34" charset="0"/>
+              </a:rPr>
+              <a:t>对库中的本地方法进行声明 </a:t>
+            </a:r>
+          </a:p>
+          <a:p>
+            <a:r>
+              <a:rPr lang="zh-CN" altLang="en-US" sz="1800" dirty="0">
+                <a:latin typeface="Arial" panose="020B0604020202020204" pitchFamily="34" charset="0"/>
+                <a:cs typeface="Arial" panose="020B0604020202020204" pitchFamily="34" charset="0"/>
+              </a:rPr>
+              <a:t>    </a:t>
+            </a:r>
+            <a:r>
+              <a:rPr lang="en-US" altLang="zh-CN" sz="1800" dirty="0">
+                <a:latin typeface="Arial" panose="020B0604020202020204" pitchFamily="34" charset="0"/>
+                <a:cs typeface="Arial" panose="020B0604020202020204" pitchFamily="34" charset="0"/>
+              </a:rPr>
+              <a:t>public native </a:t>
+            </a:r>
+            <a:r>
+              <a:rPr lang="en-US" altLang="zh-CN" sz="1800" dirty="0" err="1">
+                <a:latin typeface="Arial" panose="020B0604020202020204" pitchFamily="34" charset="0"/>
+                <a:cs typeface="Arial" panose="020B0604020202020204" pitchFamily="34" charset="0"/>
+              </a:rPr>
+              <a:t>int</a:t>
+            </a:r>
+            <a:r>
+              <a:rPr lang="en-US" altLang="zh-CN" sz="1800" dirty="0">
+                <a:latin typeface="Arial" panose="020B0604020202020204" pitchFamily="34" charset="0"/>
+                <a:cs typeface="Arial" panose="020B0604020202020204" pitchFamily="34" charset="0"/>
+              </a:rPr>
+              <a:t> max(</a:t>
+            </a:r>
+            <a:r>
+              <a:rPr lang="en-US" altLang="zh-CN" sz="1800" dirty="0" err="1">
+                <a:latin typeface="Arial" panose="020B0604020202020204" pitchFamily="34" charset="0"/>
+                <a:cs typeface="Arial" panose="020B0604020202020204" pitchFamily="34" charset="0"/>
+              </a:rPr>
+              <a:t>int</a:t>
+            </a:r>
+            <a:r>
+              <a:rPr lang="en-US" altLang="zh-CN" sz="1800" dirty="0">
+                <a:latin typeface="Arial" panose="020B0604020202020204" pitchFamily="34" charset="0"/>
+                <a:cs typeface="Arial" panose="020B0604020202020204" pitchFamily="34" charset="0"/>
+              </a:rPr>
+              <a:t> a, </a:t>
+            </a:r>
+            <a:r>
+              <a:rPr lang="en-US" altLang="zh-CN" sz="1800" dirty="0" err="1">
+                <a:latin typeface="Arial" panose="020B0604020202020204" pitchFamily="34" charset="0"/>
+                <a:cs typeface="Arial" panose="020B0604020202020204" pitchFamily="34" charset="0"/>
+              </a:rPr>
+              <a:t>int</a:t>
+            </a:r>
+            <a:r>
+              <a:rPr lang="en-US" altLang="zh-CN" sz="1800" dirty="0">
+                <a:latin typeface="Arial" panose="020B0604020202020204" pitchFamily="34" charset="0"/>
+                <a:cs typeface="Arial" panose="020B0604020202020204" pitchFamily="34" charset="0"/>
+              </a:rPr>
+              <a:t> b); </a:t>
+            </a:r>
+          </a:p>
+          <a:p>
+            <a:r>
+              <a:rPr lang="en-US" altLang="zh-CN" sz="1800" dirty="0">
+                <a:latin typeface="Arial" panose="020B0604020202020204" pitchFamily="34" charset="0"/>
+                <a:cs typeface="Arial" panose="020B0604020202020204" pitchFamily="34" charset="0"/>
+              </a:rPr>
+              <a:t>} </a:t>
+            </a:r>
+          </a:p>
+          <a:p>
+            <a:pPr marL="109728" indent="0">
+              <a:buNone/>
+            </a:pPr>
             <a:endParaRPr lang="zh-CN" altLang="en-US" sz="1800" dirty="0">
               <a:latin typeface="等线 Light" panose="02010600030101010101" pitchFamily="2" charset="-122"/>
               <a:ea typeface="等线 Light" panose="02010600030101010101" pitchFamily="2" charset="-122"/>
@@ -8028,7 +9155,7 @@
       </p:sp>
       <p:sp>
         <p:nvSpPr>
-          <p:cNvPr id="3" name="标题 2"/>
+          <p:cNvPr id="4" name="标题 2"/>
           <p:cNvSpPr>
             <a:spLocks noGrp="1"/>
           </p:cNvSpPr>
@@ -8038,8 +9165,8 @@
         </p:nvSpPr>
         <p:spPr>
           <a:xfrm>
-            <a:off x="467544" y="188640"/>
-            <a:ext cx="8229600" cy="720080"/>
+            <a:off x="413454" y="260648"/>
+            <a:ext cx="8229600" cy="634082"/>
           </a:xfrm>
         </p:spPr>
         <p:txBody>
@@ -8053,77 +9180,37 @@
                 <a:latin typeface="等线 Light" panose="02010600030101010101" pitchFamily="2" charset="-122"/>
                 <a:ea typeface="等线 Light" panose="02010600030101010101" pitchFamily="2" charset="-122"/>
               </a:rPr>
-              <a:t>Unity </a:t>
+              <a:t>Android </a:t>
             </a:r>
             <a:r>
               <a:rPr lang="zh-CN" altLang="en-US" sz="3200" dirty="0" smtClean="0">
                 <a:latin typeface="等线 Light" panose="02010600030101010101" pitchFamily="2" charset="-122"/>
                 <a:ea typeface="等线 Light" panose="02010600030101010101" pitchFamily="2" charset="-122"/>
               </a:rPr>
-              <a:t>编写</a:t>
+              <a:t>调用</a:t>
+            </a:r>
+            <a:r>
+              <a:rPr lang="en-US" altLang="zh-CN" sz="3200" dirty="0" smtClean="0">
+                <a:latin typeface="等线 Light" panose="02010600030101010101" pitchFamily="2" charset="-122"/>
+                <a:ea typeface="等线 Light" panose="02010600030101010101" pitchFamily="2" charset="-122"/>
+              </a:rPr>
+              <a:t>so</a:t>
+            </a:r>
+            <a:r>
+              <a:rPr lang="zh-CN" altLang="en-US" sz="3200" dirty="0" smtClean="0">
+                <a:latin typeface="等线 Light" panose="02010600030101010101" pitchFamily="2" charset="-122"/>
+                <a:ea typeface="等线 Light" panose="02010600030101010101" pitchFamily="2" charset="-122"/>
+              </a:rPr>
+              <a:t>文件方法</a:t>
             </a:r>
             <a:endParaRPr lang="zh-CN" altLang="en-US" sz="3200" dirty="0"/>
           </a:p>
         </p:txBody>
       </p:sp>
-      <p:pic>
-        <p:nvPicPr>
-          <p:cNvPr id="7170" name="Picture 2"/>
-          <p:cNvPicPr>
-            <a:picLocks noChangeAspect="1" noChangeArrowheads="1"/>
-          </p:cNvPicPr>
-          <p:nvPr/>
-        </p:nvPicPr>
-        <p:blipFill>
-          <a:blip r:embed="rId2">
-            <a:extLst>
-              <a:ext uri="{28A0092B-C50C-407E-A947-70E740481C1C}">
-                <a14:useLocalDpi xmlns:a14="http://schemas.microsoft.com/office/drawing/2010/main" val="0"/>
-              </a:ext>
-            </a:extLst>
-          </a:blip>
-          <a:srcRect/>
-          <a:stretch>
-            <a:fillRect/>
-          </a:stretch>
-        </p:blipFill>
-        <p:spPr bwMode="auto">
-          <a:xfrm>
-            <a:off x="2195736" y="1196752"/>
-            <a:ext cx="5328592" cy="5019020"/>
-          </a:xfrm>
-          <a:prstGeom prst="rect">
-            <a:avLst/>
-          </a:prstGeom>
-          <a:noFill/>
-          <a:ln>
-            <a:noFill/>
-          </a:ln>
-          <a:extLst>
-            <a:ext uri="{909E8E84-426E-40DD-AFC4-6F175D3DCCD1}">
-              <a14:hiddenFill xmlns:a14="http://schemas.microsoft.com/office/drawing/2010/main">
-                <a:solidFill>
-                  <a:schemeClr val="accent1"/>
-                </a:solidFill>
-              </a14:hiddenFill>
-            </a:ext>
-            <a:ext uri="{91240B29-F687-4F45-9708-019B960494DF}">
-              <a14:hiddenLine xmlns:a14="http://schemas.microsoft.com/office/drawing/2010/main" w="9525">
-                <a:solidFill>
-                  <a:schemeClr val="tx1"/>
-                </a:solidFill>
-                <a:miter lim="800000"/>
-                <a:headEnd/>
-                <a:tailEnd/>
-              </a14:hiddenLine>
-            </a:ext>
-          </a:extLst>
-        </p:spPr>
-      </p:pic>
     </p:spTree>
     <p:extLst>
       <p:ext uri="{BB962C8B-B14F-4D97-AF65-F5344CB8AC3E}">
-        <p14:creationId xmlns:p14="http://schemas.microsoft.com/office/powerpoint/2010/main" val="1742040319"/>
+        <p14:creationId xmlns:p14="http://schemas.microsoft.com/office/powerpoint/2010/main" val="3298397508"/>
       </p:ext>
     </p:extLst>
   </p:cSld>

--- a/UnityLauncher/Unity_AndroidJar.pptx
+++ b/UnityLauncher/Unity_AndroidJar.pptx
@@ -5,7 +5,7 @@
     <p:sldMasterId id="2147483660" r:id="rId1"/>
   </p:sldMasterIdLst>
   <p:notesMasterIdLst>
-    <p:notesMasterId r:id="rId15"/>
+    <p:notesMasterId r:id="rId16"/>
   </p:notesMasterIdLst>
   <p:sldIdLst>
     <p:sldId id="256" r:id="rId2"/>
@@ -21,6 +21,7 @@
     <p:sldId id="263" r:id="rId12"/>
     <p:sldId id="264" r:id="rId13"/>
     <p:sldId id="265" r:id="rId14"/>
+    <p:sldId id="269" r:id="rId15"/>
   </p:sldIdLst>
   <p:sldSz cx="9144000" cy="6858000" type="screen4x3"/>
   <p:notesSz cx="6858000" cy="9144000"/>
@@ -6259,6 +6260,403 @@
     <p:extLst>
       <p:ext uri="{BB962C8B-B14F-4D97-AF65-F5344CB8AC3E}">
         <p14:creationId xmlns:p14="http://schemas.microsoft.com/office/powerpoint/2010/main" val="2609213520"/>
+      </p:ext>
+    </p:extLst>
+  </p:cSld>
+  <p:clrMapOvr>
+    <a:masterClrMapping/>
+  </p:clrMapOvr>
+</p:sld>
+</file>
+
+<file path=ppt/slides/slide14.xml><?xml version="1.0" encoding="utf-8"?>
+<p:sld xmlns:a="http://schemas.openxmlformats.org/drawingml/2006/main" xmlns:r="http://schemas.openxmlformats.org/officeDocument/2006/relationships" xmlns:p="http://schemas.openxmlformats.org/presentationml/2006/main">
+  <p:cSld>
+    <p:spTree>
+      <p:nvGrpSpPr>
+        <p:cNvPr id="1" name=""/>
+        <p:cNvGrpSpPr/>
+        <p:nvPr/>
+      </p:nvGrpSpPr>
+      <p:grpSpPr>
+        <a:xfrm>
+          <a:off x="0" y="0"/>
+          <a:ext cx="0" cy="0"/>
+          <a:chOff x="0" y="0"/>
+          <a:chExt cx="0" cy="0"/>
+        </a:xfrm>
+      </p:grpSpPr>
+      <p:sp>
+        <p:nvSpPr>
+          <p:cNvPr id="2" name="内容占位符 1"/>
+          <p:cNvSpPr>
+            <a:spLocks noGrp="1"/>
+          </p:cNvSpPr>
+          <p:nvPr>
+            <p:ph idx="1"/>
+          </p:nvPr>
+        </p:nvSpPr>
+        <p:spPr>
+          <a:xfrm>
+            <a:off x="467544" y="980728"/>
+            <a:ext cx="8229600" cy="4525963"/>
+          </a:xfrm>
+        </p:spPr>
+        <p:txBody>
+          <a:bodyPr>
+            <a:normAutofit/>
+          </a:bodyPr>
+          <a:lstStyle/>
+          <a:p>
+            <a:pPr marL="452628" indent="-342900">
+              <a:buFont typeface="+mj-lt"/>
+              <a:buAutoNum type="arabicPeriod"/>
+            </a:pPr>
+            <a:r>
+              <a:rPr lang="zh-CN" altLang="en-US" sz="1800" dirty="0" smtClean="0">
+                <a:latin typeface="等线 Light" panose="02010600030101010101" pitchFamily="2" charset="-122"/>
+                <a:ea typeface="等线 Light" panose="02010600030101010101" pitchFamily="2" charset="-122"/>
+              </a:rPr>
+              <a:t>将</a:t>
+            </a:r>
+            <a:r>
+              <a:rPr lang="en-US" altLang="zh-CN" sz="1800" dirty="0" smtClean="0">
+                <a:latin typeface="等线 Light" panose="02010600030101010101" pitchFamily="2" charset="-122"/>
+                <a:ea typeface="等线 Light" panose="02010600030101010101" pitchFamily="2" charset="-122"/>
+              </a:rPr>
+              <a:t>app</a:t>
+            </a:r>
+            <a:r>
+              <a:rPr lang="zh-CN" altLang="en-US" sz="1800" dirty="0" smtClean="0">
+                <a:latin typeface="等线 Light" panose="02010600030101010101" pitchFamily="2" charset="-122"/>
+                <a:ea typeface="等线 Light" panose="02010600030101010101" pitchFamily="2" charset="-122"/>
+              </a:rPr>
+              <a:t>作为 </a:t>
+            </a:r>
+            <a:r>
+              <a:rPr lang="en-US" altLang="zh-CN" sz="1800" dirty="0" smtClean="0">
+                <a:latin typeface="等线 Light" panose="02010600030101010101" pitchFamily="2" charset="-122"/>
+                <a:ea typeface="等线 Light" panose="02010600030101010101" pitchFamily="2" charset="-122"/>
+              </a:rPr>
+              <a:t>Home app</a:t>
+            </a:r>
+            <a:r>
+              <a:rPr lang="zh-CN" altLang="en-US" sz="1800" dirty="0" smtClean="0">
+                <a:latin typeface="等线 Light" panose="02010600030101010101" pitchFamily="2" charset="-122"/>
+                <a:ea typeface="等线 Light" panose="02010600030101010101" pitchFamily="2" charset="-122"/>
+              </a:rPr>
+              <a:t>，</a:t>
+            </a:r>
+            <a:r>
+              <a:rPr lang="en-US" altLang="zh-CN" sz="1800" dirty="0" smtClean="0">
+                <a:latin typeface="等线 Light" panose="02010600030101010101" pitchFamily="2" charset="-122"/>
+                <a:ea typeface="等线 Light" panose="02010600030101010101" pitchFamily="2" charset="-122"/>
+              </a:rPr>
+              <a:t>add</a:t>
+            </a:r>
+          </a:p>
+          <a:p>
+            <a:pPr marL="452628" indent="-342900">
+              <a:buFont typeface="+mj-lt"/>
+              <a:buAutoNum type="arabicPeriod"/>
+            </a:pPr>
+            <a:endParaRPr lang="en-US" altLang="zh-CN" sz="1800" dirty="0">
+              <a:latin typeface="等线 Light" panose="02010600030101010101" pitchFamily="2" charset="-122"/>
+              <a:ea typeface="等线 Light" panose="02010600030101010101" pitchFamily="2" charset="-122"/>
+            </a:endParaRPr>
+          </a:p>
+          <a:p>
+            <a:pPr marL="452628" indent="-342900">
+              <a:buFont typeface="+mj-lt"/>
+              <a:buAutoNum type="arabicPeriod"/>
+            </a:pPr>
+            <a:endParaRPr lang="en-US" altLang="zh-CN" sz="1800" dirty="0" smtClean="0">
+              <a:latin typeface="等线 Light" panose="02010600030101010101" pitchFamily="2" charset="-122"/>
+              <a:ea typeface="等线 Light" panose="02010600030101010101" pitchFamily="2" charset="-122"/>
+            </a:endParaRPr>
+          </a:p>
+          <a:p>
+            <a:pPr marL="452628" indent="-342900">
+              <a:buFont typeface="+mj-lt"/>
+              <a:buAutoNum type="arabicPeriod"/>
+            </a:pPr>
+            <a:r>
+              <a:rPr lang="zh-CN" altLang="en-US" sz="1800" dirty="0" smtClean="0">
+                <a:latin typeface="等线 Light" panose="02010600030101010101" pitchFamily="2" charset="-122"/>
+                <a:ea typeface="等线 Light" panose="02010600030101010101" pitchFamily="2" charset="-122"/>
+              </a:rPr>
+              <a:t>列出已经安装的应用</a:t>
+            </a:r>
+            <a:endParaRPr lang="en-US" altLang="zh-CN" sz="1800" dirty="0" smtClean="0">
+              <a:latin typeface="等线 Light" panose="02010600030101010101" pitchFamily="2" charset="-122"/>
+              <a:ea typeface="等线 Light" panose="02010600030101010101" pitchFamily="2" charset="-122"/>
+            </a:endParaRPr>
+          </a:p>
+          <a:p>
+            <a:pPr marL="452628" indent="-342900">
+              <a:buFont typeface="+mj-lt"/>
+              <a:buAutoNum type="arabicPeriod"/>
+            </a:pPr>
+            <a:endParaRPr lang="en-US" altLang="zh-CN" sz="1800" dirty="0">
+              <a:latin typeface="等线 Light" panose="02010600030101010101" pitchFamily="2" charset="-122"/>
+              <a:ea typeface="等线 Light" panose="02010600030101010101" pitchFamily="2" charset="-122"/>
+            </a:endParaRPr>
+          </a:p>
+          <a:p>
+            <a:pPr marL="452628" indent="-342900">
+              <a:buFont typeface="+mj-lt"/>
+              <a:buAutoNum type="arabicPeriod"/>
+            </a:pPr>
+            <a:endParaRPr lang="en-US" altLang="zh-CN" sz="1800" dirty="0" smtClean="0">
+              <a:latin typeface="等线 Light" panose="02010600030101010101" pitchFamily="2" charset="-122"/>
+              <a:ea typeface="等线 Light" panose="02010600030101010101" pitchFamily="2" charset="-122"/>
+            </a:endParaRPr>
+          </a:p>
+          <a:p>
+            <a:pPr marL="452628" indent="-342900">
+              <a:buFont typeface="+mj-lt"/>
+              <a:buAutoNum type="arabicPeriod"/>
+            </a:pPr>
+            <a:endParaRPr lang="en-US" altLang="zh-CN" sz="1800" dirty="0">
+              <a:latin typeface="等线 Light" panose="02010600030101010101" pitchFamily="2" charset="-122"/>
+              <a:ea typeface="等线 Light" panose="02010600030101010101" pitchFamily="2" charset="-122"/>
+            </a:endParaRPr>
+          </a:p>
+          <a:p>
+            <a:pPr marL="452628" indent="-342900">
+              <a:buFont typeface="+mj-lt"/>
+              <a:buAutoNum type="arabicPeriod"/>
+            </a:pPr>
+            <a:endParaRPr lang="en-US" altLang="zh-CN" sz="1800" dirty="0" smtClean="0">
+              <a:latin typeface="等线 Light" panose="02010600030101010101" pitchFamily="2" charset="-122"/>
+              <a:ea typeface="等线 Light" panose="02010600030101010101" pitchFamily="2" charset="-122"/>
+            </a:endParaRPr>
+          </a:p>
+          <a:p>
+            <a:pPr marL="452628" indent="-342900">
+              <a:buFont typeface="+mj-lt"/>
+              <a:buAutoNum type="arabicPeriod"/>
+            </a:pPr>
+            <a:r>
+              <a:rPr lang="zh-CN" altLang="en-US" sz="1800" dirty="0" smtClean="0">
+                <a:latin typeface="等线 Light" panose="02010600030101010101" pitchFamily="2" charset="-122"/>
+                <a:ea typeface="等线 Light" panose="02010600030101010101" pitchFamily="2" charset="-122"/>
+              </a:rPr>
+              <a:t>启动安装的应用</a:t>
+            </a:r>
+            <a:endParaRPr lang="zh-CN" altLang="en-US" sz="1800" dirty="0">
+              <a:latin typeface="等线 Light" panose="02010600030101010101" pitchFamily="2" charset="-122"/>
+              <a:ea typeface="等线 Light" panose="02010600030101010101" pitchFamily="2" charset="-122"/>
+            </a:endParaRPr>
+          </a:p>
+        </p:txBody>
+      </p:sp>
+      <p:sp>
+        <p:nvSpPr>
+          <p:cNvPr id="4" name="标题 2"/>
+          <p:cNvSpPr>
+            <a:spLocks noGrp="1"/>
+          </p:cNvSpPr>
+          <p:nvPr>
+            <p:ph type="title"/>
+          </p:nvPr>
+        </p:nvSpPr>
+        <p:spPr>
+          <a:xfrm>
+            <a:off x="539552" y="260648"/>
+            <a:ext cx="8229600" cy="652934"/>
+          </a:xfrm>
+        </p:spPr>
+        <p:txBody>
+          <a:bodyPr>
+            <a:normAutofit/>
+          </a:bodyPr>
+          <a:lstStyle/>
+          <a:p>
+            <a:r>
+              <a:rPr lang="en-US" altLang="zh-CN" sz="3200" dirty="0" smtClean="0">
+                <a:latin typeface="等线 Light" panose="02010600030101010101" pitchFamily="2" charset="-122"/>
+                <a:ea typeface="等线 Light" panose="02010600030101010101" pitchFamily="2" charset="-122"/>
+              </a:rPr>
+              <a:t>Launcher</a:t>
+            </a:r>
+            <a:r>
+              <a:rPr lang="zh-CN" altLang="en-US" sz="3200" dirty="0" smtClean="0">
+                <a:latin typeface="等线 Light" panose="02010600030101010101" pitchFamily="2" charset="-122"/>
+                <a:ea typeface="等线 Light" panose="02010600030101010101" pitchFamily="2" charset="-122"/>
+              </a:rPr>
+              <a:t>开发</a:t>
+            </a:r>
+            <a:endParaRPr lang="zh-CN" altLang="en-US" sz="3200" dirty="0"/>
+          </a:p>
+        </p:txBody>
+      </p:sp>
+      <p:pic>
+        <p:nvPicPr>
+          <p:cNvPr id="1026" name="Picture 2"/>
+          <p:cNvPicPr>
+            <a:picLocks noChangeAspect="1" noChangeArrowheads="1"/>
+          </p:cNvPicPr>
+          <p:nvPr/>
+        </p:nvPicPr>
+        <p:blipFill>
+          <a:blip r:embed="rId2">
+            <a:extLst>
+              <a:ext uri="{28A0092B-C50C-407E-A947-70E740481C1C}">
+                <a14:useLocalDpi xmlns:a14="http://schemas.microsoft.com/office/drawing/2010/main" val="0"/>
+              </a:ext>
+            </a:extLst>
+          </a:blip>
+          <a:srcRect/>
+          <a:stretch>
+            <a:fillRect/>
+          </a:stretch>
+        </p:blipFill>
+        <p:spPr bwMode="auto">
+          <a:xfrm>
+            <a:off x="899591" y="1434245"/>
+            <a:ext cx="5976665" cy="482587"/>
+          </a:xfrm>
+          <a:prstGeom prst="rect">
+            <a:avLst/>
+          </a:prstGeom>
+          <a:noFill/>
+          <a:ln>
+            <a:noFill/>
+          </a:ln>
+          <a:extLst>
+            <a:ext uri="{909E8E84-426E-40DD-AFC4-6F175D3DCCD1}">
+              <a14:hiddenFill xmlns:a14="http://schemas.microsoft.com/office/drawing/2010/main">
+                <a:solidFill>
+                  <a:schemeClr val="accent1"/>
+                </a:solidFill>
+              </a14:hiddenFill>
+            </a:ext>
+            <a:ext uri="{91240B29-F687-4F45-9708-019B960494DF}">
+              <a14:hiddenLine xmlns:a14="http://schemas.microsoft.com/office/drawing/2010/main" w="9525">
+                <a:solidFill>
+                  <a:schemeClr val="tx1"/>
+                </a:solidFill>
+                <a:miter lim="800000"/>
+                <a:headEnd/>
+                <a:tailEnd/>
+              </a14:hiddenLine>
+            </a:ext>
+          </a:extLst>
+        </p:spPr>
+      </p:pic>
+      <p:pic>
+        <p:nvPicPr>
+          <p:cNvPr id="1027" name="Picture 3"/>
+          <p:cNvPicPr>
+            <a:picLocks noChangeAspect="1" noChangeArrowheads="1"/>
+          </p:cNvPicPr>
+          <p:nvPr/>
+        </p:nvPicPr>
+        <p:blipFill>
+          <a:blip r:embed="rId3">
+            <a:extLst>
+              <a:ext uri="{28A0092B-C50C-407E-A947-70E740481C1C}">
+                <a14:useLocalDpi xmlns:a14="http://schemas.microsoft.com/office/drawing/2010/main" val="0"/>
+              </a:ext>
+            </a:extLst>
+          </a:blip>
+          <a:srcRect/>
+          <a:stretch>
+            <a:fillRect/>
+          </a:stretch>
+        </p:blipFill>
+        <p:spPr bwMode="auto">
+          <a:xfrm>
+            <a:off x="899591" y="2358618"/>
+            <a:ext cx="5976665" cy="1286406"/>
+          </a:xfrm>
+          <a:prstGeom prst="rect">
+            <a:avLst/>
+          </a:prstGeom>
+          <a:noFill/>
+          <a:ln>
+            <a:noFill/>
+          </a:ln>
+          <a:extLst>
+            <a:ext uri="{909E8E84-426E-40DD-AFC4-6F175D3DCCD1}">
+              <a14:hiddenFill xmlns:a14="http://schemas.microsoft.com/office/drawing/2010/main">
+                <a:solidFill>
+                  <a:schemeClr val="accent1"/>
+                </a:solidFill>
+              </a14:hiddenFill>
+            </a:ext>
+            <a:ext uri="{91240B29-F687-4F45-9708-019B960494DF}">
+              <a14:hiddenLine xmlns:a14="http://schemas.microsoft.com/office/drawing/2010/main" w="9525">
+                <a:solidFill>
+                  <a:schemeClr val="tx1"/>
+                </a:solidFill>
+                <a:miter lim="800000"/>
+                <a:headEnd/>
+                <a:tailEnd/>
+              </a14:hiddenLine>
+            </a:ext>
+          </a:extLst>
+        </p:spPr>
+      </p:pic>
+      <p:pic>
+        <p:nvPicPr>
+          <p:cNvPr id="1028" name="Picture 4"/>
+          <p:cNvPicPr>
+            <a:picLocks noChangeAspect="1" noChangeArrowheads="1"/>
+          </p:cNvPicPr>
+          <p:nvPr/>
+        </p:nvPicPr>
+        <p:blipFill>
+          <a:blip r:embed="rId4">
+            <a:extLst>
+              <a:ext uri="{28A0092B-C50C-407E-A947-70E740481C1C}">
+                <a14:useLocalDpi xmlns:a14="http://schemas.microsoft.com/office/drawing/2010/main" val="0"/>
+              </a:ext>
+            </a:extLst>
+          </a:blip>
+          <a:srcRect/>
+          <a:stretch>
+            <a:fillRect/>
+          </a:stretch>
+        </p:blipFill>
+        <p:spPr bwMode="auto">
+          <a:xfrm>
+            <a:off x="899591" y="3972514"/>
+            <a:ext cx="5976665" cy="1860951"/>
+          </a:xfrm>
+          <a:prstGeom prst="rect">
+            <a:avLst/>
+          </a:prstGeom>
+          <a:noFill/>
+          <a:ln>
+            <a:noFill/>
+          </a:ln>
+          <a:extLst>
+            <a:ext uri="{909E8E84-426E-40DD-AFC4-6F175D3DCCD1}">
+              <a14:hiddenFill xmlns:a14="http://schemas.microsoft.com/office/drawing/2010/main">
+                <a:solidFill>
+                  <a:schemeClr val="accent1"/>
+                </a:solidFill>
+              </a14:hiddenFill>
+            </a:ext>
+            <a:ext uri="{91240B29-F687-4F45-9708-019B960494DF}">
+              <a14:hiddenLine xmlns:a14="http://schemas.microsoft.com/office/drawing/2010/main" w="9525">
+                <a:solidFill>
+                  <a:schemeClr val="tx1"/>
+                </a:solidFill>
+                <a:miter lim="800000"/>
+                <a:headEnd/>
+                <a:tailEnd/>
+              </a14:hiddenLine>
+            </a:ext>
+          </a:extLst>
+        </p:spPr>
+      </p:pic>
+    </p:spTree>
+    <p:extLst>
+      <p:ext uri="{BB962C8B-B14F-4D97-AF65-F5344CB8AC3E}">
+        <p14:creationId xmlns:p14="http://schemas.microsoft.com/office/powerpoint/2010/main" val="1229252831"/>
       </p:ext>
     </p:extLst>
   </p:cSld>

--- a/UnityLauncher/Unity_AndroidJar.pptx
+++ b/UnityLauncher/Unity_AndroidJar.pptx
@@ -5,7 +5,7 @@
     <p:sldMasterId id="2147483660" r:id="rId1"/>
   </p:sldMasterIdLst>
   <p:notesMasterIdLst>
-    <p:notesMasterId r:id="rId16"/>
+    <p:notesMasterId r:id="rId17"/>
   </p:notesMasterIdLst>
   <p:sldIdLst>
     <p:sldId id="256" r:id="rId2"/>
@@ -22,6 +22,7 @@
     <p:sldId id="264" r:id="rId13"/>
     <p:sldId id="265" r:id="rId14"/>
     <p:sldId id="269" r:id="rId15"/>
+    <p:sldId id="270" r:id="rId16"/>
   </p:sldIdLst>
   <p:sldSz cx="9144000" cy="6858000" type="screen4x3"/>
   <p:notesSz cx="6858000" cy="9144000"/>
@@ -205,7 +206,7 @@
           <a:p>
             <a:fld id="{59ABEBD7-29F2-41ED-A20C-990A4E1B9C28}" type="datetimeFigureOut">
               <a:rPr lang="zh-CN" altLang="en-US" smtClean="0"/>
-              <a:t>2017/1/17</a:t>
+              <a:t>2017/1/24</a:t>
             </a:fld>
             <a:endParaRPr lang="zh-CN" altLang="en-US"/>
           </a:p>
@@ -1234,7 +1235,7 @@
           <a:p>
             <a:fld id="{530820CF-B880-4189-942D-D702A7CBA730}" type="datetimeFigureOut">
               <a:rPr lang="zh-CN" altLang="en-US" smtClean="0"/>
-              <a:t>2017/1/17</a:t>
+              <a:t>2017/1/24</a:t>
             </a:fld>
             <a:endParaRPr lang="zh-CN" altLang="en-US"/>
           </a:p>
@@ -1430,7 +1431,7 @@
           <a:p>
             <a:fld id="{530820CF-B880-4189-942D-D702A7CBA730}" type="datetimeFigureOut">
               <a:rPr lang="zh-CN" altLang="en-US" smtClean="0"/>
-              <a:t>2017/1/17</a:t>
+              <a:t>2017/1/24</a:t>
             </a:fld>
             <a:endParaRPr lang="zh-CN" altLang="en-US"/>
           </a:p>
@@ -1615,7 +1616,7 @@
           <a:p>
             <a:fld id="{530820CF-B880-4189-942D-D702A7CBA730}" type="datetimeFigureOut">
               <a:rPr lang="zh-CN" altLang="en-US" smtClean="0"/>
-              <a:t>2017/1/17</a:t>
+              <a:t>2017/1/24</a:t>
             </a:fld>
             <a:endParaRPr lang="zh-CN" altLang="en-US"/>
           </a:p>
@@ -1765,7 +1766,7 @@
           <a:p>
             <a:fld id="{530820CF-B880-4189-942D-D702A7CBA730}" type="datetimeFigureOut">
               <a:rPr lang="zh-CN" altLang="en-US" smtClean="0"/>
-              <a:t>2017/1/17</a:t>
+              <a:t>2017/1/24</a:t>
             </a:fld>
             <a:endParaRPr lang="zh-CN" altLang="en-US"/>
           </a:p>
@@ -2020,7 +2021,7 @@
           <a:p>
             <a:fld id="{530820CF-B880-4189-942D-D702A7CBA730}" type="datetimeFigureOut">
               <a:rPr lang="zh-CN" altLang="en-US" smtClean="0"/>
-              <a:t>2017/1/17</a:t>
+              <a:t>2017/1/24</a:t>
             </a:fld>
             <a:endParaRPr lang="zh-CN" altLang="en-US"/>
           </a:p>
@@ -2429,7 +2430,7 @@
           <a:p>
             <a:fld id="{530820CF-B880-4189-942D-D702A7CBA730}" type="datetimeFigureOut">
               <a:rPr lang="zh-CN" altLang="en-US" smtClean="0"/>
-              <a:t>2017/1/17</a:t>
+              <a:t>2017/1/24</a:t>
             </a:fld>
             <a:endParaRPr lang="zh-CN" altLang="en-US"/>
           </a:p>
@@ -2875,7 +2876,7 @@
           <a:p>
             <a:fld id="{530820CF-B880-4189-942D-D702A7CBA730}" type="datetimeFigureOut">
               <a:rPr lang="zh-CN" altLang="en-US" smtClean="0"/>
-              <a:t>2017/1/17</a:t>
+              <a:t>2017/1/24</a:t>
             </a:fld>
             <a:endParaRPr lang="zh-CN" altLang="en-US"/>
           </a:p>
@@ -2976,7 +2977,7 @@
           <a:p>
             <a:fld id="{530820CF-B880-4189-942D-D702A7CBA730}" type="datetimeFigureOut">
               <a:rPr lang="zh-CN" altLang="en-US" smtClean="0"/>
-              <a:t>2017/1/17</a:t>
+              <a:t>2017/1/24</a:t>
             </a:fld>
             <a:endParaRPr lang="zh-CN" altLang="en-US"/>
           </a:p>
@@ -3097,7 +3098,7 @@
           <a:p>
             <a:fld id="{530820CF-B880-4189-942D-D702A7CBA730}" type="datetimeFigureOut">
               <a:rPr lang="zh-CN" altLang="en-US" smtClean="0"/>
-              <a:t>2017/1/17</a:t>
+              <a:t>2017/1/24</a:t>
             </a:fld>
             <a:endParaRPr lang="zh-CN" altLang="en-US"/>
           </a:p>
@@ -3371,7 +3372,7 @@
           <a:p>
             <a:fld id="{530820CF-B880-4189-942D-D702A7CBA730}" type="datetimeFigureOut">
               <a:rPr lang="zh-CN" altLang="en-US" smtClean="0"/>
-              <a:t>2017/1/17</a:t>
+              <a:t>2017/1/24</a:t>
             </a:fld>
             <a:endParaRPr lang="zh-CN" altLang="en-US"/>
           </a:p>
@@ -3576,7 +3577,7 @@
           <a:p>
             <a:fld id="{530820CF-B880-4189-942D-D702A7CBA730}" type="datetimeFigureOut">
               <a:rPr lang="zh-CN" altLang="en-US" smtClean="0"/>
-              <a:t>2017/1/17</a:t>
+              <a:t>2017/1/24</a:t>
             </a:fld>
             <a:endParaRPr lang="zh-CN" altLang="en-US"/>
           </a:p>
@@ -4685,7 +4686,7 @@
           <a:p>
             <a:fld id="{530820CF-B880-4189-942D-D702A7CBA730}" type="datetimeFigureOut">
               <a:rPr lang="zh-CN" altLang="en-US" smtClean="0"/>
-              <a:t>2017/1/17</a:t>
+              <a:t>2017/1/24</a:t>
             </a:fld>
             <a:endParaRPr lang="zh-CN" altLang="en-US"/>
           </a:p>
@@ -6657,6 +6658,264 @@
     <p:extLst>
       <p:ext uri="{BB962C8B-B14F-4D97-AF65-F5344CB8AC3E}">
         <p14:creationId xmlns:p14="http://schemas.microsoft.com/office/powerpoint/2010/main" val="1229252831"/>
+      </p:ext>
+    </p:extLst>
+  </p:cSld>
+  <p:clrMapOvr>
+    <a:masterClrMapping/>
+  </p:clrMapOvr>
+</p:sld>
+</file>
+
+<file path=ppt/slides/slide15.xml><?xml version="1.0" encoding="utf-8"?>
+<p:sld xmlns:a="http://schemas.openxmlformats.org/drawingml/2006/main" xmlns:r="http://schemas.openxmlformats.org/officeDocument/2006/relationships" xmlns:p="http://schemas.openxmlformats.org/presentationml/2006/main">
+  <p:cSld>
+    <p:spTree>
+      <p:nvGrpSpPr>
+        <p:cNvPr id="1" name=""/>
+        <p:cNvGrpSpPr/>
+        <p:nvPr/>
+      </p:nvGrpSpPr>
+      <p:grpSpPr>
+        <a:xfrm>
+          <a:off x="0" y="0"/>
+          <a:ext cx="0" cy="0"/>
+          <a:chOff x="0" y="0"/>
+          <a:chExt cx="0" cy="0"/>
+        </a:xfrm>
+      </p:grpSpPr>
+      <p:sp>
+        <p:nvSpPr>
+          <p:cNvPr id="2" name="内容占位符 1"/>
+          <p:cNvSpPr>
+            <a:spLocks noGrp="1"/>
+          </p:cNvSpPr>
+          <p:nvPr>
+            <p:ph idx="1"/>
+          </p:nvPr>
+        </p:nvSpPr>
+        <p:spPr>
+          <a:xfrm>
+            <a:off x="467544" y="980728"/>
+            <a:ext cx="8229600" cy="4525963"/>
+          </a:xfrm>
+        </p:spPr>
+        <p:txBody>
+          <a:bodyPr>
+            <a:normAutofit/>
+          </a:bodyPr>
+          <a:lstStyle/>
+          <a:p>
+            <a:r>
+              <a:rPr lang="zh-CN" altLang="en-US" sz="1800" dirty="0" smtClean="0">
+                <a:latin typeface="等线 Light" panose="02010600030101010101" pitchFamily="2" charset="-122"/>
+                <a:ea typeface="等线 Light" panose="02010600030101010101" pitchFamily="2" charset="-122"/>
+              </a:rPr>
+              <a:t>在 </a:t>
+            </a:r>
+            <a:r>
+              <a:rPr lang="en-US" altLang="zh-CN" sz="1800" dirty="0" smtClean="0">
+                <a:latin typeface="等线 Light" panose="02010600030101010101" pitchFamily="2" charset="-122"/>
+                <a:ea typeface="等线 Light" panose="02010600030101010101" pitchFamily="2" charset="-122"/>
+              </a:rPr>
+              <a:t>libs </a:t>
+            </a:r>
+            <a:r>
+              <a:rPr lang="zh-CN" altLang="en-US" sz="1800" dirty="0" smtClean="0">
+                <a:latin typeface="等线 Light" panose="02010600030101010101" pitchFamily="2" charset="-122"/>
+                <a:ea typeface="等线 Light" panose="02010600030101010101" pitchFamily="2" charset="-122"/>
+              </a:rPr>
+              <a:t>存在多个</a:t>
+            </a:r>
+            <a:r>
+              <a:rPr lang="en-US" altLang="zh-CN" sz="1800" dirty="0" smtClean="0">
+                <a:latin typeface="等线 Light" panose="02010600030101010101" pitchFamily="2" charset="-122"/>
+                <a:ea typeface="等线 Light" panose="02010600030101010101" pitchFamily="2" charset="-122"/>
+              </a:rPr>
+              <a:t>jar</a:t>
+            </a:r>
+            <a:r>
+              <a:rPr lang="zh-CN" altLang="en-US" sz="1800" dirty="0" smtClean="0">
+                <a:latin typeface="等线 Light" panose="02010600030101010101" pitchFamily="2" charset="-122"/>
+                <a:ea typeface="等线 Light" panose="02010600030101010101" pitchFamily="2" charset="-122"/>
+              </a:rPr>
+              <a:t>，包含同名类</a:t>
+            </a:r>
+            <a:endParaRPr lang="en-US" altLang="zh-CN" sz="1800" dirty="0" smtClean="0">
+              <a:latin typeface="等线 Light" panose="02010600030101010101" pitchFamily="2" charset="-122"/>
+              <a:ea typeface="等线 Light" panose="02010600030101010101" pitchFamily="2" charset="-122"/>
+            </a:endParaRPr>
+          </a:p>
+          <a:p>
+            <a:pPr marL="109728" indent="0">
+              <a:buNone/>
+            </a:pPr>
+            <a:r>
+              <a:rPr lang="en-US" altLang="zh-CN" sz="1800" dirty="0">
+                <a:latin typeface="等线 Light" panose="02010600030101010101" pitchFamily="2" charset="-122"/>
+                <a:ea typeface="等线 Light" panose="02010600030101010101" pitchFamily="2" charset="-122"/>
+              </a:rPr>
+              <a:t> </a:t>
+            </a:r>
+            <a:r>
+              <a:rPr lang="en-US" altLang="zh-CN" sz="1800" dirty="0" smtClean="0">
+                <a:latin typeface="等线 Light" panose="02010600030101010101" pitchFamily="2" charset="-122"/>
+                <a:ea typeface="等线 Light" panose="02010600030101010101" pitchFamily="2" charset="-122"/>
+              </a:rPr>
+              <a:t>  </a:t>
+            </a:r>
+            <a:r>
+              <a:rPr lang="zh-CN" altLang="en-US" sz="1800" dirty="0" smtClean="0">
+                <a:latin typeface="等线 Light" panose="02010600030101010101" pitchFamily="2" charset="-122"/>
+                <a:ea typeface="等线 Light" panose="02010600030101010101" pitchFamily="2" charset="-122"/>
+              </a:rPr>
+              <a:t>自动生成 </a:t>
+            </a:r>
+            <a:r>
+              <a:rPr lang="en-US" altLang="zh-CN" sz="1800" dirty="0" smtClean="0">
+                <a:latin typeface="等线 Light" panose="02010600030101010101" pitchFamily="2" charset="-122"/>
+                <a:ea typeface="等线 Light" panose="02010600030101010101" pitchFamily="2" charset="-122"/>
+              </a:rPr>
+              <a:t>Android Private Libraries</a:t>
+            </a:r>
+            <a:r>
+              <a:rPr lang="zh-CN" altLang="en-US" sz="1800" dirty="0" smtClean="0">
+                <a:latin typeface="等线 Light" panose="02010600030101010101" pitchFamily="2" charset="-122"/>
+                <a:ea typeface="等线 Light" panose="02010600030101010101" pitchFamily="2" charset="-122"/>
+              </a:rPr>
+              <a:t>，在之内无法调整顺序，并且编译出现</a:t>
+            </a:r>
+            <a:r>
+              <a:rPr lang="en-US" altLang="zh-CN" sz="1800" dirty="0" smtClean="0">
+                <a:latin typeface="等线 Light" panose="02010600030101010101" pitchFamily="2" charset="-122"/>
+                <a:ea typeface="等线 Light" panose="02010600030101010101" pitchFamily="2" charset="-122"/>
+              </a:rPr>
+              <a:t>”Unable to execute </a:t>
+            </a:r>
+            <a:r>
+              <a:rPr lang="en-US" altLang="zh-CN" sz="1800" dirty="0" err="1" smtClean="0">
+                <a:latin typeface="等线 Light" panose="02010600030101010101" pitchFamily="2" charset="-122"/>
+                <a:ea typeface="等线 Light" panose="02010600030101010101" pitchFamily="2" charset="-122"/>
+              </a:rPr>
+              <a:t>dex</a:t>
+            </a:r>
+            <a:r>
+              <a:rPr lang="en-US" altLang="zh-CN" sz="1800" dirty="0" smtClean="0">
+                <a:latin typeface="等线 Light" panose="02010600030101010101" pitchFamily="2" charset="-122"/>
+                <a:ea typeface="等线 Light" panose="02010600030101010101" pitchFamily="2" charset="-122"/>
+              </a:rPr>
+              <a:t>: Java heap space”</a:t>
+            </a:r>
+          </a:p>
+          <a:p>
+            <a:pPr marL="109728" indent="0">
+              <a:buNone/>
+            </a:pPr>
+            <a:r>
+              <a:rPr lang="zh-CN" altLang="en-US" sz="1800" dirty="0" smtClean="0">
+                <a:latin typeface="等线 Light" panose="02010600030101010101" pitchFamily="2" charset="-122"/>
+                <a:ea typeface="等线 Light" panose="02010600030101010101" pitchFamily="2" charset="-122"/>
+              </a:rPr>
+              <a:t>解决：</a:t>
+            </a:r>
+            <a:r>
+              <a:rPr lang="en-US" altLang="zh-CN" sz="1800" dirty="0" smtClean="0">
+                <a:latin typeface="等线 Light" panose="02010600030101010101" pitchFamily="2" charset="-122"/>
+                <a:ea typeface="等线 Light" panose="02010600030101010101" pitchFamily="2" charset="-122"/>
+              </a:rPr>
+              <a:t>build path-&gt;Add Library-&gt;User Library-&gt;user Libraries-&gt;new-&gt;Add Jars</a:t>
+            </a:r>
+          </a:p>
+          <a:p>
+            <a:pPr marL="109728" indent="0">
+              <a:buNone/>
+            </a:pPr>
+            <a:r>
+              <a:rPr lang="en-US" altLang="zh-CN" sz="1800" dirty="0" smtClean="0">
+                <a:latin typeface="等线 Light" panose="02010600030101010101" pitchFamily="2" charset="-122"/>
+                <a:ea typeface="等线 Light" panose="02010600030101010101" pitchFamily="2" charset="-122"/>
+              </a:rPr>
+              <a:t>-&gt;OK</a:t>
+            </a:r>
+            <a:r>
+              <a:rPr lang="zh-CN" altLang="en-US" sz="1800" dirty="0" smtClean="0">
+                <a:latin typeface="等线 Light" panose="02010600030101010101" pitchFamily="2" charset="-122"/>
+                <a:ea typeface="等线 Light" panose="02010600030101010101" pitchFamily="2" charset="-122"/>
+              </a:rPr>
+              <a:t>，过程中勾选 </a:t>
+            </a:r>
+            <a:r>
+              <a:rPr lang="en-US" altLang="zh-CN" sz="1800" dirty="0" err="1" smtClean="0">
+                <a:latin typeface="等线 Light" panose="02010600030101010101" pitchFamily="2" charset="-122"/>
+                <a:ea typeface="等线 Light" panose="02010600030101010101" pitchFamily="2" charset="-122"/>
+              </a:rPr>
+              <a:t>SystemLibrary</a:t>
+            </a:r>
+            <a:endParaRPr lang="zh-CN" altLang="en-US" sz="1800" dirty="0">
+              <a:latin typeface="等线 Light" panose="02010600030101010101" pitchFamily="2" charset="-122"/>
+              <a:ea typeface="等线 Light" panose="02010600030101010101" pitchFamily="2" charset="-122"/>
+            </a:endParaRPr>
+          </a:p>
+        </p:txBody>
+      </p:sp>
+      <p:sp>
+        <p:nvSpPr>
+          <p:cNvPr id="4" name="标题 2"/>
+          <p:cNvSpPr>
+            <a:spLocks noGrp="1"/>
+          </p:cNvSpPr>
+          <p:nvPr>
+            <p:ph type="title"/>
+          </p:nvPr>
+        </p:nvSpPr>
+        <p:spPr>
+          <a:xfrm>
+            <a:off x="539552" y="260648"/>
+            <a:ext cx="8229600" cy="652934"/>
+          </a:xfrm>
+        </p:spPr>
+        <p:txBody>
+          <a:bodyPr>
+            <a:normAutofit/>
+          </a:bodyPr>
+          <a:lstStyle/>
+          <a:p>
+            <a:r>
+              <a:rPr lang="en-US" altLang="zh-CN" sz="3200" dirty="0" smtClean="0">
+                <a:latin typeface="等线 Light" panose="02010600030101010101" pitchFamily="2" charset="-122"/>
+                <a:ea typeface="等线 Light" panose="02010600030101010101" pitchFamily="2" charset="-122"/>
+              </a:rPr>
+              <a:t>Eclipse </a:t>
+            </a:r>
+            <a:r>
+              <a:rPr lang="zh-CN" altLang="en-US" sz="3200" dirty="0" smtClean="0">
+                <a:latin typeface="等线 Light" panose="02010600030101010101" pitchFamily="2" charset="-122"/>
+                <a:ea typeface="等线 Light" panose="02010600030101010101" pitchFamily="2" charset="-122"/>
+              </a:rPr>
+              <a:t>多个</a:t>
+            </a:r>
+            <a:r>
+              <a:rPr lang="en-US" altLang="zh-CN" sz="3200" dirty="0" smtClean="0">
+                <a:latin typeface="等线 Light" panose="02010600030101010101" pitchFamily="2" charset="-122"/>
+                <a:ea typeface="等线 Light" panose="02010600030101010101" pitchFamily="2" charset="-122"/>
+              </a:rPr>
+              <a:t>jar</a:t>
+            </a:r>
+            <a:r>
+              <a:rPr lang="zh-CN" altLang="en-US" sz="3200" dirty="0" smtClean="0">
+                <a:latin typeface="等线 Light" panose="02010600030101010101" pitchFamily="2" charset="-122"/>
+                <a:ea typeface="等线 Light" panose="02010600030101010101" pitchFamily="2" charset="-122"/>
+              </a:rPr>
+              <a:t>同名类引用</a:t>
+            </a:r>
+            <a:endParaRPr lang="zh-CN" altLang="en-US" sz="3200" dirty="0"/>
+          </a:p>
+        </p:txBody>
+      </p:sp>
+    </p:spTree>
+    <p:extLst>
+      <p:ext uri="{BB962C8B-B14F-4D97-AF65-F5344CB8AC3E}">
+        <p14:creationId xmlns:p14="http://schemas.microsoft.com/office/powerpoint/2010/main" val="1310994256"/>
       </p:ext>
     </p:extLst>
   </p:cSld>

--- a/UnityLauncher/Unity_AndroidJar.pptx
+++ b/UnityLauncher/Unity_AndroidJar.pptx
@@ -206,7 +206,7 @@
           <a:p>
             <a:fld id="{59ABEBD7-29F2-41ED-A20C-990A4E1B9C28}" type="datetimeFigureOut">
               <a:rPr lang="zh-CN" altLang="en-US" smtClean="0"/>
-              <a:t>2017/1/24</a:t>
+              <a:t>2017/2/7</a:t>
             </a:fld>
             <a:endParaRPr lang="zh-CN" altLang="en-US"/>
           </a:p>
@@ -1235,7 +1235,7 @@
           <a:p>
             <a:fld id="{530820CF-B880-4189-942D-D702A7CBA730}" type="datetimeFigureOut">
               <a:rPr lang="zh-CN" altLang="en-US" smtClean="0"/>
-              <a:t>2017/1/24</a:t>
+              <a:t>2017/2/7</a:t>
             </a:fld>
             <a:endParaRPr lang="zh-CN" altLang="en-US"/>
           </a:p>
@@ -1431,7 +1431,7 @@
           <a:p>
             <a:fld id="{530820CF-B880-4189-942D-D702A7CBA730}" type="datetimeFigureOut">
               <a:rPr lang="zh-CN" altLang="en-US" smtClean="0"/>
-              <a:t>2017/1/24</a:t>
+              <a:t>2017/2/7</a:t>
             </a:fld>
             <a:endParaRPr lang="zh-CN" altLang="en-US"/>
           </a:p>
@@ -1616,7 +1616,7 @@
           <a:p>
             <a:fld id="{530820CF-B880-4189-942D-D702A7CBA730}" type="datetimeFigureOut">
               <a:rPr lang="zh-CN" altLang="en-US" smtClean="0"/>
-              <a:t>2017/1/24</a:t>
+              <a:t>2017/2/7</a:t>
             </a:fld>
             <a:endParaRPr lang="zh-CN" altLang="en-US"/>
           </a:p>
@@ -1766,7 +1766,7 @@
           <a:p>
             <a:fld id="{530820CF-B880-4189-942D-D702A7CBA730}" type="datetimeFigureOut">
               <a:rPr lang="zh-CN" altLang="en-US" smtClean="0"/>
-              <a:t>2017/1/24</a:t>
+              <a:t>2017/2/7</a:t>
             </a:fld>
             <a:endParaRPr lang="zh-CN" altLang="en-US"/>
           </a:p>
@@ -2021,7 +2021,7 @@
           <a:p>
             <a:fld id="{530820CF-B880-4189-942D-D702A7CBA730}" type="datetimeFigureOut">
               <a:rPr lang="zh-CN" altLang="en-US" smtClean="0"/>
-              <a:t>2017/1/24</a:t>
+              <a:t>2017/2/7</a:t>
             </a:fld>
             <a:endParaRPr lang="zh-CN" altLang="en-US"/>
           </a:p>
@@ -2430,7 +2430,7 @@
           <a:p>
             <a:fld id="{530820CF-B880-4189-942D-D702A7CBA730}" type="datetimeFigureOut">
               <a:rPr lang="zh-CN" altLang="en-US" smtClean="0"/>
-              <a:t>2017/1/24</a:t>
+              <a:t>2017/2/7</a:t>
             </a:fld>
             <a:endParaRPr lang="zh-CN" altLang="en-US"/>
           </a:p>
@@ -2876,7 +2876,7 @@
           <a:p>
             <a:fld id="{530820CF-B880-4189-942D-D702A7CBA730}" type="datetimeFigureOut">
               <a:rPr lang="zh-CN" altLang="en-US" smtClean="0"/>
-              <a:t>2017/1/24</a:t>
+              <a:t>2017/2/7</a:t>
             </a:fld>
             <a:endParaRPr lang="zh-CN" altLang="en-US"/>
           </a:p>
@@ -2977,7 +2977,7 @@
           <a:p>
             <a:fld id="{530820CF-B880-4189-942D-D702A7CBA730}" type="datetimeFigureOut">
               <a:rPr lang="zh-CN" altLang="en-US" smtClean="0"/>
-              <a:t>2017/1/24</a:t>
+              <a:t>2017/2/7</a:t>
             </a:fld>
             <a:endParaRPr lang="zh-CN" altLang="en-US"/>
           </a:p>
@@ -3098,7 +3098,7 @@
           <a:p>
             <a:fld id="{530820CF-B880-4189-942D-D702A7CBA730}" type="datetimeFigureOut">
               <a:rPr lang="zh-CN" altLang="en-US" smtClean="0"/>
-              <a:t>2017/1/24</a:t>
+              <a:t>2017/2/7</a:t>
             </a:fld>
             <a:endParaRPr lang="zh-CN" altLang="en-US"/>
           </a:p>
@@ -3372,7 +3372,7 @@
           <a:p>
             <a:fld id="{530820CF-B880-4189-942D-D702A7CBA730}" type="datetimeFigureOut">
               <a:rPr lang="zh-CN" altLang="en-US" smtClean="0"/>
-              <a:t>2017/1/24</a:t>
+              <a:t>2017/2/7</a:t>
             </a:fld>
             <a:endParaRPr lang="zh-CN" altLang="en-US"/>
           </a:p>
@@ -3577,7 +3577,7 @@
           <a:p>
             <a:fld id="{530820CF-B880-4189-942D-D702A7CBA730}" type="datetimeFigureOut">
               <a:rPr lang="zh-CN" altLang="en-US" smtClean="0"/>
-              <a:t>2017/1/24</a:t>
+              <a:t>2017/2/7</a:t>
             </a:fld>
             <a:endParaRPr lang="zh-CN" altLang="en-US"/>
           </a:p>
@@ -4686,7 +4686,7 @@
           <a:p>
             <a:fld id="{530820CF-B880-4189-942D-D702A7CBA730}" type="datetimeFigureOut">
               <a:rPr lang="zh-CN" altLang="en-US" smtClean="0"/>
-              <a:t>2017/1/24</a:t>
+              <a:t>2017/2/7</a:t>
             </a:fld>
             <a:endParaRPr lang="zh-CN" altLang="en-US"/>
           </a:p>
@@ -8417,7 +8417,35 @@
                 <a:latin typeface="等线 Light" panose="02010600030101010101" pitchFamily="2" charset="-122"/>
                 <a:ea typeface="等线 Light" panose="02010600030101010101" pitchFamily="2" charset="-122"/>
               </a:rPr>
-              <a:t>gradlew jarDebugClasses/gradlew </a:t>
+              <a:t>gradlew </a:t>
+            </a:r>
+            <a:r>
+              <a:rPr lang="en-US" altLang="zh-CN" sz="1800" dirty="0" err="1">
+                <a:latin typeface="等线 Light" panose="02010600030101010101" pitchFamily="2" charset="-122"/>
+                <a:ea typeface="等线 Light" panose="02010600030101010101" pitchFamily="2" charset="-122"/>
+              </a:rPr>
+              <a:t>jarDebugClasses</a:t>
+            </a:r>
+            <a:r>
+              <a:rPr lang="en-US" altLang="zh-CN" sz="1800" dirty="0" smtClean="0">
+                <a:latin typeface="等线 Light" panose="02010600030101010101" pitchFamily="2" charset="-122"/>
+                <a:ea typeface="等线 Light" panose="02010600030101010101" pitchFamily="2" charset="-122"/>
+              </a:rPr>
+              <a:t>/ </a:t>
+            </a:r>
+            <a:r>
+              <a:rPr lang="en-US" altLang="zh-CN" sz="1800" dirty="0" err="1" smtClean="0">
+                <a:latin typeface="等线 Light" panose="02010600030101010101" pitchFamily="2" charset="-122"/>
+                <a:ea typeface="等线 Light" panose="02010600030101010101" pitchFamily="2" charset="-122"/>
+              </a:rPr>
+              <a:t>gradlew</a:t>
+            </a:r>
+            <a:r>
+              <a:rPr lang="en-US" altLang="zh-CN" sz="1800" dirty="0" smtClean="0">
+                <a:latin typeface="等线 Light" panose="02010600030101010101" pitchFamily="2" charset="-122"/>
+                <a:ea typeface="等线 Light" panose="02010600030101010101" pitchFamily="2" charset="-122"/>
+              </a:rPr>
+              <a:t> </a:t>
             </a:r>
             <a:r>
               <a:rPr lang="en-US" altLang="zh-CN" sz="1800" dirty="0" smtClean="0">
@@ -8663,11 +8691,82 @@
               <a:t>输入 </a:t>
             </a:r>
             <a:r>
+              <a:rPr lang="en-US" altLang="zh-CN" sz="1800" dirty="0" err="1">
+                <a:latin typeface="等线 Light" panose="02010600030101010101" pitchFamily="2" charset="-122"/>
+                <a:ea typeface="等线 Light" panose="02010600030101010101" pitchFamily="2" charset="-122"/>
+              </a:rPr>
+              <a:t>gradlew</a:t>
+            </a:r>
+            <a:r>
               <a:rPr lang="en-US" altLang="zh-CN" sz="1800" dirty="0">
                 <a:latin typeface="等线 Light" panose="02010600030101010101" pitchFamily="2" charset="-122"/>
                 <a:ea typeface="等线 Light" panose="02010600030101010101" pitchFamily="2" charset="-122"/>
               </a:rPr>
-              <a:t>gradlew makeReleaseJar</a:t>
+              <a:t> </a:t>
+            </a:r>
+            <a:r>
+              <a:rPr lang="en-US" altLang="zh-CN" sz="1800" dirty="0" smtClean="0">
+                <a:latin typeface="等线 Light" panose="02010600030101010101" pitchFamily="2" charset="-122"/>
+                <a:ea typeface="等线 Light" panose="02010600030101010101" pitchFamily="2" charset="-122"/>
+              </a:rPr>
+              <a:t>makeReleaseJar</a:t>
+            </a:r>
+          </a:p>
+          <a:p>
+            <a:endParaRPr lang="en-US" altLang="zh-CN" sz="1800" dirty="0">
+              <a:latin typeface="等线 Light" panose="02010600030101010101" pitchFamily="2" charset="-122"/>
+              <a:ea typeface="等线 Light" panose="02010600030101010101" pitchFamily="2" charset="-122"/>
+            </a:endParaRPr>
+          </a:p>
+          <a:p>
+            <a:endParaRPr lang="en-US" altLang="zh-CN" sz="1800" dirty="0" smtClean="0">
+              <a:latin typeface="等线 Light" panose="02010600030101010101" pitchFamily="2" charset="-122"/>
+              <a:ea typeface="等线 Light" panose="02010600030101010101" pitchFamily="2" charset="-122"/>
+            </a:endParaRPr>
+          </a:p>
+          <a:p>
+            <a:endParaRPr lang="en-US" altLang="zh-CN" sz="1800" dirty="0">
+              <a:latin typeface="等线 Light" panose="02010600030101010101" pitchFamily="2" charset="-122"/>
+              <a:ea typeface="等线 Light" panose="02010600030101010101" pitchFamily="2" charset="-122"/>
+            </a:endParaRPr>
+          </a:p>
+          <a:p>
+            <a:endParaRPr lang="en-US" altLang="zh-CN" sz="1800" dirty="0" smtClean="0">
+              <a:latin typeface="等线 Light" panose="02010600030101010101" pitchFamily="2" charset="-122"/>
+              <a:ea typeface="等线 Light" panose="02010600030101010101" pitchFamily="2" charset="-122"/>
+            </a:endParaRPr>
+          </a:p>
+          <a:p>
+            <a:endParaRPr lang="en-US" altLang="zh-CN" sz="1800" dirty="0">
+              <a:latin typeface="等线 Light" panose="02010600030101010101" pitchFamily="2" charset="-122"/>
+              <a:ea typeface="等线 Light" panose="02010600030101010101" pitchFamily="2" charset="-122"/>
+            </a:endParaRPr>
+          </a:p>
+          <a:p>
+            <a:endParaRPr lang="en-US" altLang="zh-CN" sz="1800" dirty="0" smtClean="0">
+              <a:latin typeface="等线 Light" panose="02010600030101010101" pitchFamily="2" charset="-122"/>
+              <a:ea typeface="等线 Light" panose="02010600030101010101" pitchFamily="2" charset="-122"/>
+            </a:endParaRPr>
+          </a:p>
+          <a:p>
+            <a:endParaRPr lang="en-US" altLang="zh-CN" sz="1800" dirty="0">
+              <a:latin typeface="等线 Light" panose="02010600030101010101" pitchFamily="2" charset="-122"/>
+              <a:ea typeface="等线 Light" panose="02010600030101010101" pitchFamily="2" charset="-122"/>
+            </a:endParaRPr>
+          </a:p>
+          <a:p>
+            <a:endParaRPr lang="en-US" altLang="zh-CN" sz="1800" dirty="0" smtClean="0">
+              <a:latin typeface="等线 Light" panose="02010600030101010101" pitchFamily="2" charset="-122"/>
+              <a:ea typeface="等线 Light" panose="02010600030101010101" pitchFamily="2" charset="-122"/>
+            </a:endParaRPr>
+          </a:p>
+          <a:p>
+            <a:r>
+              <a:rPr lang="zh-CN" altLang="en-US" sz="1800" dirty="0" smtClean="0">
+                <a:latin typeface="等线 Light" panose="02010600030101010101" pitchFamily="2" charset="-122"/>
+                <a:ea typeface="等线 Light" panose="02010600030101010101" pitchFamily="2" charset="-122"/>
+              </a:rPr>
+              <a:t>产物：</a:t>
             </a:r>
             <a:endParaRPr lang="zh-CN" altLang="en-US" sz="1800" dirty="0">
               <a:latin typeface="等线 Light" panose="02010600030101010101" pitchFamily="2" charset="-122"/>
@@ -8749,8 +8848,62 @@
         </p:blipFill>
         <p:spPr bwMode="auto">
           <a:xfrm>
-            <a:off x="899592" y="1700808"/>
+            <a:off x="899592" y="1556792"/>
             <a:ext cx="7311414" cy="2656507"/>
+          </a:xfrm>
+          <a:prstGeom prst="rect">
+            <a:avLst/>
+          </a:prstGeom>
+          <a:noFill/>
+          <a:ln>
+            <a:noFill/>
+          </a:ln>
+          <a:extLst>
+            <a:ext uri="{909E8E84-426E-40DD-AFC4-6F175D3DCCD1}">
+              <a14:hiddenFill xmlns:a14="http://schemas.microsoft.com/office/drawing/2010/main">
+                <a:solidFill>
+                  <a:schemeClr val="accent1"/>
+                </a:solidFill>
+              </a14:hiddenFill>
+            </a:ext>
+            <a:ext uri="{91240B29-F687-4F45-9708-019B960494DF}">
+              <a14:hiddenLine xmlns:a14="http://schemas.microsoft.com/office/drawing/2010/main" w="9525">
+                <a:solidFill>
+                  <a:schemeClr val="tx1"/>
+                </a:solidFill>
+                <a:miter lim="800000"/>
+                <a:headEnd/>
+                <a:tailEnd/>
+              </a14:hiddenLine>
+            </a:ext>
+          </a:extLst>
+        </p:spPr>
+      </p:pic>
+      <p:pic>
+        <p:nvPicPr>
+          <p:cNvPr id="1026" name="Picture 2"/>
+          <p:cNvPicPr>
+            <a:picLocks noChangeAspect="1" noChangeArrowheads="1"/>
+          </p:cNvPicPr>
+          <p:nvPr/>
+        </p:nvPicPr>
+        <p:blipFill>
+          <a:blip r:embed="rId3">
+            <a:extLst>
+              <a:ext uri="{28A0092B-C50C-407E-A947-70E740481C1C}">
+                <a14:useLocalDpi xmlns:a14="http://schemas.microsoft.com/office/drawing/2010/main" val="0"/>
+              </a:ext>
+            </a:extLst>
+          </a:blip>
+          <a:srcRect/>
+          <a:stretch>
+            <a:fillRect/>
+          </a:stretch>
+        </p:blipFill>
+        <p:spPr bwMode="auto">
+          <a:xfrm>
+            <a:off x="1115615" y="4581128"/>
+            <a:ext cx="7419925" cy="1364390"/>
           </a:xfrm>
           <a:prstGeom prst="rect">
             <a:avLst/>

--- a/UnityLauncher/Unity_AndroidJar.pptx
+++ b/UnityLauncher/Unity_AndroidJar.pptx
@@ -5,7 +5,7 @@
     <p:sldMasterId id="2147483660" r:id="rId1"/>
   </p:sldMasterIdLst>
   <p:notesMasterIdLst>
-    <p:notesMasterId r:id="rId17"/>
+    <p:notesMasterId r:id="rId18"/>
   </p:notesMasterIdLst>
   <p:sldIdLst>
     <p:sldId id="256" r:id="rId2"/>
@@ -23,6 +23,7 @@
     <p:sldId id="265" r:id="rId14"/>
     <p:sldId id="269" r:id="rId15"/>
     <p:sldId id="270" r:id="rId16"/>
+    <p:sldId id="271" r:id="rId17"/>
   </p:sldIdLst>
   <p:sldSz cx="9144000" cy="6858000" type="screen4x3"/>
   <p:notesSz cx="6858000" cy="9144000"/>
@@ -206,7 +207,7 @@
           <a:p>
             <a:fld id="{59ABEBD7-29F2-41ED-A20C-990A4E1B9C28}" type="datetimeFigureOut">
               <a:rPr lang="zh-CN" altLang="en-US" smtClean="0"/>
-              <a:t>2017/2/7</a:t>
+              <a:t>2017/2/9</a:t>
             </a:fld>
             <a:endParaRPr lang="zh-CN" altLang="en-US"/>
           </a:p>
@@ -1235,7 +1236,7 @@
           <a:p>
             <a:fld id="{530820CF-B880-4189-942D-D702A7CBA730}" type="datetimeFigureOut">
               <a:rPr lang="zh-CN" altLang="en-US" smtClean="0"/>
-              <a:t>2017/2/7</a:t>
+              <a:t>2017/2/9</a:t>
             </a:fld>
             <a:endParaRPr lang="zh-CN" altLang="en-US"/>
           </a:p>
@@ -1431,7 +1432,7 @@
           <a:p>
             <a:fld id="{530820CF-B880-4189-942D-D702A7CBA730}" type="datetimeFigureOut">
               <a:rPr lang="zh-CN" altLang="en-US" smtClean="0"/>
-              <a:t>2017/2/7</a:t>
+              <a:t>2017/2/9</a:t>
             </a:fld>
             <a:endParaRPr lang="zh-CN" altLang="en-US"/>
           </a:p>
@@ -1616,7 +1617,7 @@
           <a:p>
             <a:fld id="{530820CF-B880-4189-942D-D702A7CBA730}" type="datetimeFigureOut">
               <a:rPr lang="zh-CN" altLang="en-US" smtClean="0"/>
-              <a:t>2017/2/7</a:t>
+              <a:t>2017/2/9</a:t>
             </a:fld>
             <a:endParaRPr lang="zh-CN" altLang="en-US"/>
           </a:p>
@@ -1766,7 +1767,7 @@
           <a:p>
             <a:fld id="{530820CF-B880-4189-942D-D702A7CBA730}" type="datetimeFigureOut">
               <a:rPr lang="zh-CN" altLang="en-US" smtClean="0"/>
-              <a:t>2017/2/7</a:t>
+              <a:t>2017/2/9</a:t>
             </a:fld>
             <a:endParaRPr lang="zh-CN" altLang="en-US"/>
           </a:p>
@@ -2021,7 +2022,7 @@
           <a:p>
             <a:fld id="{530820CF-B880-4189-942D-D702A7CBA730}" type="datetimeFigureOut">
               <a:rPr lang="zh-CN" altLang="en-US" smtClean="0"/>
-              <a:t>2017/2/7</a:t>
+              <a:t>2017/2/9</a:t>
             </a:fld>
             <a:endParaRPr lang="zh-CN" altLang="en-US"/>
           </a:p>
@@ -2430,7 +2431,7 @@
           <a:p>
             <a:fld id="{530820CF-B880-4189-942D-D702A7CBA730}" type="datetimeFigureOut">
               <a:rPr lang="zh-CN" altLang="en-US" smtClean="0"/>
-              <a:t>2017/2/7</a:t>
+              <a:t>2017/2/9</a:t>
             </a:fld>
             <a:endParaRPr lang="zh-CN" altLang="en-US"/>
           </a:p>
@@ -2876,7 +2877,7 @@
           <a:p>
             <a:fld id="{530820CF-B880-4189-942D-D702A7CBA730}" type="datetimeFigureOut">
               <a:rPr lang="zh-CN" altLang="en-US" smtClean="0"/>
-              <a:t>2017/2/7</a:t>
+              <a:t>2017/2/9</a:t>
             </a:fld>
             <a:endParaRPr lang="zh-CN" altLang="en-US"/>
           </a:p>
@@ -2977,7 +2978,7 @@
           <a:p>
             <a:fld id="{530820CF-B880-4189-942D-D702A7CBA730}" type="datetimeFigureOut">
               <a:rPr lang="zh-CN" altLang="en-US" smtClean="0"/>
-              <a:t>2017/2/7</a:t>
+              <a:t>2017/2/9</a:t>
             </a:fld>
             <a:endParaRPr lang="zh-CN" altLang="en-US"/>
           </a:p>
@@ -3098,7 +3099,7 @@
           <a:p>
             <a:fld id="{530820CF-B880-4189-942D-D702A7CBA730}" type="datetimeFigureOut">
               <a:rPr lang="zh-CN" altLang="en-US" smtClean="0"/>
-              <a:t>2017/2/7</a:t>
+              <a:t>2017/2/9</a:t>
             </a:fld>
             <a:endParaRPr lang="zh-CN" altLang="en-US"/>
           </a:p>
@@ -3372,7 +3373,7 @@
           <a:p>
             <a:fld id="{530820CF-B880-4189-942D-D702A7CBA730}" type="datetimeFigureOut">
               <a:rPr lang="zh-CN" altLang="en-US" smtClean="0"/>
-              <a:t>2017/2/7</a:t>
+              <a:t>2017/2/9</a:t>
             </a:fld>
             <a:endParaRPr lang="zh-CN" altLang="en-US"/>
           </a:p>
@@ -3577,7 +3578,7 @@
           <a:p>
             <a:fld id="{530820CF-B880-4189-942D-D702A7CBA730}" type="datetimeFigureOut">
               <a:rPr lang="zh-CN" altLang="en-US" smtClean="0"/>
-              <a:t>2017/2/7</a:t>
+              <a:t>2017/2/9</a:t>
             </a:fld>
             <a:endParaRPr lang="zh-CN" altLang="en-US"/>
           </a:p>
@@ -4686,7 +4687,7 @@
           <a:p>
             <a:fld id="{530820CF-B880-4189-942D-D702A7CBA730}" type="datetimeFigureOut">
               <a:rPr lang="zh-CN" altLang="en-US" smtClean="0"/>
-              <a:t>2017/2/7</a:t>
+              <a:t>2017/2/9</a:t>
             </a:fld>
             <a:endParaRPr lang="zh-CN" altLang="en-US"/>
           </a:p>
@@ -6925,6 +6926,490 @@
 </p:sld>
 </file>
 
+<file path=ppt/slides/slide16.xml><?xml version="1.0" encoding="utf-8"?>
+<p:sld xmlns:a="http://schemas.openxmlformats.org/drawingml/2006/main" xmlns:r="http://schemas.openxmlformats.org/officeDocument/2006/relationships" xmlns:p="http://schemas.openxmlformats.org/presentationml/2006/main">
+  <p:cSld>
+    <p:spTree>
+      <p:nvGrpSpPr>
+        <p:cNvPr id="1" name=""/>
+        <p:cNvGrpSpPr/>
+        <p:nvPr/>
+      </p:nvGrpSpPr>
+      <p:grpSpPr>
+        <a:xfrm>
+          <a:off x="0" y="0"/>
+          <a:ext cx="0" cy="0"/>
+          <a:chOff x="0" y="0"/>
+          <a:chExt cx="0" cy="0"/>
+        </a:xfrm>
+      </p:grpSpPr>
+      <p:sp>
+        <p:nvSpPr>
+          <p:cNvPr id="2" name="内容占位符 1"/>
+          <p:cNvSpPr>
+            <a:spLocks noGrp="1"/>
+          </p:cNvSpPr>
+          <p:nvPr>
+            <p:ph idx="1"/>
+          </p:nvPr>
+        </p:nvSpPr>
+        <p:spPr>
+          <a:xfrm>
+            <a:off x="467544" y="980728"/>
+            <a:ext cx="8229600" cy="4824536"/>
+          </a:xfrm>
+        </p:spPr>
+        <p:txBody>
+          <a:bodyPr>
+            <a:normAutofit/>
+          </a:bodyPr>
+          <a:lstStyle/>
+          <a:p>
+            <a:r>
+              <a:rPr lang="zh-CN" altLang="en-US" sz="1800" dirty="0">
+                <a:latin typeface="等线 Light" panose="02010600030101010101" pitchFamily="2" charset="-122"/>
+                <a:ea typeface="等线 Light" panose="02010600030101010101" pitchFamily="2" charset="-122"/>
+              </a:rPr>
+              <a:t>通过 </a:t>
+            </a:r>
+            <a:r>
+              <a:rPr lang="en-US" altLang="zh-CN" sz="1800" dirty="0" err="1">
+                <a:latin typeface="等线 Light" panose="02010600030101010101" pitchFamily="2" charset="-122"/>
+                <a:ea typeface="等线 Light" panose="02010600030101010101" pitchFamily="2" charset="-122"/>
+              </a:rPr>
+              <a:t>Gradle</a:t>
+            </a:r>
+            <a:r>
+              <a:rPr lang="en-US" altLang="zh-CN" sz="1800" dirty="0">
+                <a:latin typeface="等线 Light" panose="02010600030101010101" pitchFamily="2" charset="-122"/>
+                <a:ea typeface="等线 Light" panose="02010600030101010101" pitchFamily="2" charset="-122"/>
+              </a:rPr>
+              <a:t> </a:t>
+            </a:r>
+            <a:r>
+              <a:rPr lang="zh-CN" altLang="en-US" sz="1800" dirty="0" smtClean="0">
+                <a:latin typeface="等线 Light" panose="02010600030101010101" pitchFamily="2" charset="-122"/>
+                <a:ea typeface="等线 Light" panose="02010600030101010101" pitchFamily="2" charset="-122"/>
+              </a:rPr>
+              <a:t>进行 </a:t>
+            </a:r>
+            <a:r>
+              <a:rPr lang="en-US" altLang="zh-CN" sz="1800" dirty="0" err="1">
+                <a:latin typeface="等线 Light" panose="02010600030101010101" pitchFamily="2" charset="-122"/>
+                <a:ea typeface="等线 Light" panose="02010600030101010101" pitchFamily="2" charset="-122"/>
+              </a:rPr>
+              <a:t>Dalvik</a:t>
+            </a:r>
+            <a:r>
+              <a:rPr lang="en-US" altLang="zh-CN" sz="1800" dirty="0">
+                <a:latin typeface="等线 Light" panose="02010600030101010101" pitchFamily="2" charset="-122"/>
+                <a:ea typeface="等线 Light" panose="02010600030101010101" pitchFamily="2" charset="-122"/>
+              </a:rPr>
+              <a:t> </a:t>
+            </a:r>
+            <a:r>
+              <a:rPr lang="zh-CN" altLang="en-US" sz="1800" dirty="0">
+                <a:latin typeface="等线 Light" panose="02010600030101010101" pitchFamily="2" charset="-122"/>
+                <a:ea typeface="等线 Light" panose="02010600030101010101" pitchFamily="2" charset="-122"/>
+              </a:rPr>
+              <a:t>可执行文件</a:t>
+            </a:r>
+            <a:r>
+              <a:rPr lang="zh-CN" altLang="en-US" sz="1800" dirty="0" smtClean="0">
+                <a:latin typeface="等线 Light" panose="02010600030101010101" pitchFamily="2" charset="-122"/>
+                <a:ea typeface="等线 Light" panose="02010600030101010101" pitchFamily="2" charset="-122"/>
+              </a:rPr>
+              <a:t>分包</a:t>
+            </a:r>
+            <a:endParaRPr lang="en-US" altLang="zh-CN" sz="1800" dirty="0" smtClean="0">
+              <a:latin typeface="等线 Light" panose="02010600030101010101" pitchFamily="2" charset="-122"/>
+              <a:ea typeface="等线 Light" panose="02010600030101010101" pitchFamily="2" charset="-122"/>
+            </a:endParaRPr>
+          </a:p>
+          <a:p>
+            <a:pPr marL="109728" indent="0">
+              <a:buNone/>
+            </a:pPr>
+            <a:r>
+              <a:rPr lang="zh-CN" altLang="en-US" sz="1200" dirty="0" smtClean="0">
+                <a:latin typeface="等线 Light" panose="02010600030101010101" pitchFamily="2" charset="-122"/>
+                <a:ea typeface="等线 Light" panose="02010600030101010101" pitchFamily="2" charset="-122"/>
+              </a:rPr>
+              <a:t>       修改</a:t>
+            </a:r>
+            <a:r>
+              <a:rPr lang="zh-CN" altLang="en-US" sz="1200" dirty="0">
+                <a:latin typeface="等线 Light" panose="02010600030101010101" pitchFamily="2" charset="-122"/>
+                <a:ea typeface="等线 Light" panose="02010600030101010101" pitchFamily="2" charset="-122"/>
+              </a:rPr>
+              <a:t>模块级 </a:t>
+            </a:r>
+            <a:r>
+              <a:rPr lang="en-US" altLang="zh-CN" sz="1200" dirty="0" err="1">
+                <a:latin typeface="等线 Light" panose="02010600030101010101" pitchFamily="2" charset="-122"/>
+                <a:ea typeface="等线 Light" panose="02010600030101010101" pitchFamily="2" charset="-122"/>
+              </a:rPr>
+              <a:t>build.gradle</a:t>
+            </a:r>
+            <a:r>
+              <a:rPr lang="zh-CN" altLang="en-US" sz="1200" dirty="0">
+                <a:latin typeface="等线 Light" panose="02010600030101010101" pitchFamily="2" charset="-122"/>
+                <a:ea typeface="等线 Light" panose="02010600030101010101" pitchFamily="2" charset="-122"/>
+              </a:rPr>
+              <a:t> 文件配置以加入支持库和启用 </a:t>
+            </a:r>
+            <a:r>
+              <a:rPr lang="en-US" altLang="zh-CN" sz="1200" dirty="0" err="1">
+                <a:latin typeface="等线 Light" panose="02010600030101010101" pitchFamily="2" charset="-122"/>
+                <a:ea typeface="等线 Light" panose="02010600030101010101" pitchFamily="2" charset="-122"/>
+              </a:rPr>
+              <a:t>Dalvik</a:t>
+            </a:r>
+            <a:r>
+              <a:rPr lang="en-US" altLang="zh-CN" sz="1200" dirty="0">
+                <a:latin typeface="等线 Light" panose="02010600030101010101" pitchFamily="2" charset="-122"/>
+                <a:ea typeface="等线 Light" panose="02010600030101010101" pitchFamily="2" charset="-122"/>
+              </a:rPr>
+              <a:t> </a:t>
+            </a:r>
+            <a:r>
+              <a:rPr lang="zh-CN" altLang="en-US" sz="1200" dirty="0">
+                <a:latin typeface="等线 Light" panose="02010600030101010101" pitchFamily="2" charset="-122"/>
+                <a:ea typeface="等线 Light" panose="02010600030101010101" pitchFamily="2" charset="-122"/>
+              </a:rPr>
+              <a:t>可执行文件分包</a:t>
+            </a:r>
+            <a:r>
+              <a:rPr lang="zh-CN" altLang="en-US" sz="1200" dirty="0" smtClean="0">
+                <a:latin typeface="等线 Light" panose="02010600030101010101" pitchFamily="2" charset="-122"/>
+                <a:ea typeface="等线 Light" panose="02010600030101010101" pitchFamily="2" charset="-122"/>
+              </a:rPr>
+              <a:t>输出</a:t>
+            </a:r>
+            <a:endParaRPr lang="en-US" altLang="zh-CN" sz="1200" dirty="0" smtClean="0">
+              <a:latin typeface="等线 Light" panose="02010600030101010101" pitchFamily="2" charset="-122"/>
+              <a:ea typeface="等线 Light" panose="02010600030101010101" pitchFamily="2" charset="-122"/>
+            </a:endParaRPr>
+          </a:p>
+          <a:p>
+            <a:pPr marL="109728" indent="0">
+              <a:buNone/>
+            </a:pPr>
+            <a:endParaRPr lang="en-US" altLang="zh-CN" sz="1200" dirty="0">
+              <a:latin typeface="等线 Light" panose="02010600030101010101" pitchFamily="2" charset="-122"/>
+              <a:ea typeface="等线 Light" panose="02010600030101010101" pitchFamily="2" charset="-122"/>
+            </a:endParaRPr>
+          </a:p>
+          <a:p>
+            <a:pPr marL="109728" indent="0">
+              <a:buNone/>
+            </a:pPr>
+            <a:endParaRPr lang="en-US" altLang="zh-CN" sz="1200" dirty="0" smtClean="0">
+              <a:latin typeface="等线 Light" panose="02010600030101010101" pitchFamily="2" charset="-122"/>
+              <a:ea typeface="等线 Light" panose="02010600030101010101" pitchFamily="2" charset="-122"/>
+            </a:endParaRPr>
+          </a:p>
+          <a:p>
+            <a:pPr marL="109728" indent="0">
+              <a:buNone/>
+            </a:pPr>
+            <a:endParaRPr lang="en-US" altLang="zh-CN" sz="1200" dirty="0">
+              <a:latin typeface="等线 Light" panose="02010600030101010101" pitchFamily="2" charset="-122"/>
+              <a:ea typeface="等线 Light" panose="02010600030101010101" pitchFamily="2" charset="-122"/>
+            </a:endParaRPr>
+          </a:p>
+          <a:p>
+            <a:pPr marL="109728" indent="0">
+              <a:buNone/>
+            </a:pPr>
+            <a:endParaRPr lang="en-US" altLang="zh-CN" sz="1200" dirty="0" smtClean="0">
+              <a:latin typeface="等线 Light" panose="02010600030101010101" pitchFamily="2" charset="-122"/>
+              <a:ea typeface="等线 Light" panose="02010600030101010101" pitchFamily="2" charset="-122"/>
+            </a:endParaRPr>
+          </a:p>
+          <a:p>
+            <a:pPr marL="109728" indent="0">
+              <a:buNone/>
+            </a:pPr>
+            <a:endParaRPr lang="en-US" altLang="zh-CN" sz="1200" dirty="0">
+              <a:latin typeface="等线 Light" panose="02010600030101010101" pitchFamily="2" charset="-122"/>
+              <a:ea typeface="等线 Light" panose="02010600030101010101" pitchFamily="2" charset="-122"/>
+            </a:endParaRPr>
+          </a:p>
+          <a:p>
+            <a:pPr marL="109728" indent="0">
+              <a:buNone/>
+            </a:pPr>
+            <a:endParaRPr lang="en-US" altLang="zh-CN" sz="1200" dirty="0" smtClean="0">
+              <a:latin typeface="等线 Light" panose="02010600030101010101" pitchFamily="2" charset="-122"/>
+              <a:ea typeface="等线 Light" panose="02010600030101010101" pitchFamily="2" charset="-122"/>
+            </a:endParaRPr>
+          </a:p>
+          <a:p>
+            <a:pPr marL="109728" indent="0">
+              <a:buNone/>
+            </a:pPr>
+            <a:endParaRPr lang="en-US" altLang="zh-CN" sz="1200" dirty="0">
+              <a:latin typeface="等线 Light" panose="02010600030101010101" pitchFamily="2" charset="-122"/>
+              <a:ea typeface="等线 Light" panose="02010600030101010101" pitchFamily="2" charset="-122"/>
+            </a:endParaRPr>
+          </a:p>
+          <a:p>
+            <a:pPr marL="109728" indent="0">
+              <a:buNone/>
+            </a:pPr>
+            <a:endParaRPr lang="en-US" altLang="zh-CN" sz="1200" dirty="0" smtClean="0">
+              <a:latin typeface="等线 Light" panose="02010600030101010101" pitchFamily="2" charset="-122"/>
+              <a:ea typeface="等线 Light" panose="02010600030101010101" pitchFamily="2" charset="-122"/>
+            </a:endParaRPr>
+          </a:p>
+          <a:p>
+            <a:pPr marL="109728" indent="0">
+              <a:buNone/>
+            </a:pPr>
+            <a:endParaRPr lang="en-US" altLang="zh-CN" sz="1200" dirty="0">
+              <a:latin typeface="等线 Light" panose="02010600030101010101" pitchFamily="2" charset="-122"/>
+              <a:ea typeface="等线 Light" panose="02010600030101010101" pitchFamily="2" charset="-122"/>
+            </a:endParaRPr>
+          </a:p>
+          <a:p>
+            <a:pPr marL="109728" indent="0">
+              <a:buNone/>
+            </a:pPr>
+            <a:r>
+              <a:rPr lang="zh-CN" altLang="en-US" sz="1200" dirty="0">
+                <a:latin typeface="等线 Light" panose="02010600030101010101" pitchFamily="2" charset="-122"/>
+                <a:ea typeface="等线 Light" panose="02010600030101010101" pitchFamily="2" charset="-122"/>
+              </a:rPr>
+              <a:t>将 </a:t>
+            </a:r>
+            <a:r>
+              <a:rPr lang="en-US" altLang="zh-CN" sz="1200" dirty="0" err="1">
+                <a:latin typeface="等线 Light" panose="02010600030101010101" pitchFamily="2" charset="-122"/>
+                <a:ea typeface="等线 Light" panose="02010600030101010101" pitchFamily="2" charset="-122"/>
+              </a:rPr>
+              <a:t>Dalvik</a:t>
+            </a:r>
+            <a:r>
+              <a:rPr lang="en-US" altLang="zh-CN" sz="1200" dirty="0">
+                <a:latin typeface="等线 Light" panose="02010600030101010101" pitchFamily="2" charset="-122"/>
+                <a:ea typeface="等线 Light" panose="02010600030101010101" pitchFamily="2" charset="-122"/>
+              </a:rPr>
+              <a:t> </a:t>
+            </a:r>
+            <a:r>
+              <a:rPr lang="zh-CN" altLang="en-US" sz="1200" dirty="0">
+                <a:latin typeface="等线 Light" panose="02010600030101010101" pitchFamily="2" charset="-122"/>
+                <a:ea typeface="等线 Light" panose="02010600030101010101" pitchFamily="2" charset="-122"/>
+              </a:rPr>
+              <a:t>可执行文件分包支持库中的 </a:t>
+            </a:r>
+            <a:r>
+              <a:rPr lang="en-US" altLang="zh-CN" sz="1200" dirty="0" err="1">
+                <a:latin typeface="等线 Light" panose="02010600030101010101" pitchFamily="2" charset="-122"/>
+                <a:ea typeface="等线 Light" panose="02010600030101010101" pitchFamily="2" charset="-122"/>
+                <a:hlinkClick r:id="rId2"/>
+              </a:rPr>
+              <a:t>MultiDexApplication</a:t>
+            </a:r>
+            <a:r>
+              <a:rPr lang="en-US" altLang="zh-CN" sz="1200" dirty="0">
+                <a:latin typeface="等线 Light" panose="02010600030101010101" pitchFamily="2" charset="-122"/>
+                <a:ea typeface="等线 Light" panose="02010600030101010101" pitchFamily="2" charset="-122"/>
+              </a:rPr>
+              <a:t> </a:t>
+            </a:r>
+            <a:r>
+              <a:rPr lang="zh-CN" altLang="en-US" sz="1200" dirty="0">
+                <a:latin typeface="等线 Light" panose="02010600030101010101" pitchFamily="2" charset="-122"/>
+                <a:ea typeface="等线 Light" panose="02010600030101010101" pitchFamily="2" charset="-122"/>
+              </a:rPr>
+              <a:t>类添加到 </a:t>
+            </a:r>
+            <a:r>
+              <a:rPr lang="en-US" altLang="zh-CN" sz="1200" dirty="0">
+                <a:latin typeface="等线 Light" panose="02010600030101010101" pitchFamily="2" charset="-122"/>
+                <a:ea typeface="等线 Light" panose="02010600030101010101" pitchFamily="2" charset="-122"/>
+              </a:rPr>
+              <a:t>application </a:t>
+            </a:r>
+            <a:r>
+              <a:rPr lang="zh-CN" altLang="en-US" sz="1200" dirty="0">
+                <a:latin typeface="等线 Light" panose="02010600030101010101" pitchFamily="2" charset="-122"/>
+                <a:ea typeface="等线 Light" panose="02010600030101010101" pitchFamily="2" charset="-122"/>
+              </a:rPr>
+              <a:t>元素中</a:t>
+            </a:r>
+          </a:p>
+          <a:p>
+            <a:endParaRPr lang="zh-CN" altLang="en-US" dirty="0"/>
+          </a:p>
+        </p:txBody>
+      </p:sp>
+      <p:sp>
+        <p:nvSpPr>
+          <p:cNvPr id="4" name="标题 2"/>
+          <p:cNvSpPr>
+            <a:spLocks noGrp="1"/>
+          </p:cNvSpPr>
+          <p:nvPr>
+            <p:ph type="title"/>
+          </p:nvPr>
+        </p:nvSpPr>
+        <p:spPr>
+          <a:xfrm>
+            <a:off x="539552" y="260648"/>
+            <a:ext cx="8229600" cy="652934"/>
+          </a:xfrm>
+        </p:spPr>
+        <p:txBody>
+          <a:bodyPr>
+            <a:normAutofit/>
+          </a:bodyPr>
+          <a:lstStyle/>
+          <a:p>
+            <a:r>
+              <a:rPr lang="en-US" altLang="zh-CN" sz="2800" dirty="0" smtClean="0">
+                <a:latin typeface="等线 Light" panose="02010600030101010101" pitchFamily="2" charset="-122"/>
+                <a:ea typeface="等线 Light" panose="02010600030101010101" pitchFamily="2" charset="-122"/>
+              </a:rPr>
+              <a:t>64K</a:t>
+            </a:r>
+            <a:r>
+              <a:rPr lang="zh-CN" altLang="en-US" sz="2800" dirty="0" smtClean="0">
+                <a:latin typeface="等线 Light" panose="02010600030101010101" pitchFamily="2" charset="-122"/>
+                <a:ea typeface="等线 Light" panose="02010600030101010101" pitchFamily="2" charset="-122"/>
+              </a:rPr>
+              <a:t>引用限制</a:t>
+            </a:r>
+            <a:endParaRPr lang="zh-CN" altLang="en-US" sz="2800" dirty="0">
+              <a:latin typeface="等线 Light" panose="02010600030101010101" pitchFamily="2" charset="-122"/>
+              <a:ea typeface="等线 Light" panose="02010600030101010101" pitchFamily="2" charset="-122"/>
+            </a:endParaRPr>
+          </a:p>
+        </p:txBody>
+      </p:sp>
+      <p:pic>
+        <p:nvPicPr>
+          <p:cNvPr id="1026" name="Picture 2"/>
+          <p:cNvPicPr>
+            <a:picLocks noChangeAspect="1" noChangeArrowheads="1"/>
+          </p:cNvPicPr>
+          <p:nvPr/>
+        </p:nvPicPr>
+        <p:blipFill>
+          <a:blip r:embed="rId3">
+            <a:extLst>
+              <a:ext uri="{28A0092B-C50C-407E-A947-70E740481C1C}">
+                <a14:useLocalDpi xmlns:a14="http://schemas.microsoft.com/office/drawing/2010/main" val="0"/>
+              </a:ext>
+            </a:extLst>
+          </a:blip>
+          <a:srcRect/>
+          <a:stretch>
+            <a:fillRect/>
+          </a:stretch>
+        </p:blipFill>
+        <p:spPr bwMode="auto">
+          <a:xfrm>
+            <a:off x="2123728" y="1556792"/>
+            <a:ext cx="2016224" cy="2008866"/>
+          </a:xfrm>
+          <a:prstGeom prst="rect">
+            <a:avLst/>
+          </a:prstGeom>
+          <a:noFill/>
+          <a:ln>
+            <a:noFill/>
+          </a:ln>
+          <a:extLst>
+            <a:ext uri="{909E8E84-426E-40DD-AFC4-6F175D3DCCD1}">
+              <a14:hiddenFill xmlns:a14="http://schemas.microsoft.com/office/drawing/2010/main">
+                <a:solidFill>
+                  <a:schemeClr val="accent1"/>
+                </a:solidFill>
+              </a14:hiddenFill>
+            </a:ext>
+            <a:ext uri="{91240B29-F687-4F45-9708-019B960494DF}">
+              <a14:hiddenLine xmlns:a14="http://schemas.microsoft.com/office/drawing/2010/main" w="9525">
+                <a:solidFill>
+                  <a:schemeClr val="tx1"/>
+                </a:solidFill>
+                <a:miter lim="800000"/>
+                <a:headEnd/>
+                <a:tailEnd/>
+              </a14:hiddenLine>
+            </a:ext>
+          </a:extLst>
+        </p:spPr>
+      </p:pic>
+      <p:pic>
+        <p:nvPicPr>
+          <p:cNvPr id="1027" name="Picture 3"/>
+          <p:cNvPicPr>
+            <a:picLocks noChangeAspect="1" noChangeArrowheads="1"/>
+          </p:cNvPicPr>
+          <p:nvPr/>
+        </p:nvPicPr>
+        <p:blipFill>
+          <a:blip r:embed="rId4">
+            <a:extLst>
+              <a:ext uri="{28A0092B-C50C-407E-A947-70E740481C1C}">
+                <a14:useLocalDpi xmlns:a14="http://schemas.microsoft.com/office/drawing/2010/main" val="0"/>
+              </a:ext>
+            </a:extLst>
+          </a:blip>
+          <a:srcRect/>
+          <a:stretch>
+            <a:fillRect/>
+          </a:stretch>
+        </p:blipFill>
+        <p:spPr bwMode="auto">
+          <a:xfrm>
+            <a:off x="2238375" y="4077072"/>
+            <a:ext cx="4667250" cy="1581150"/>
+          </a:xfrm>
+          <a:prstGeom prst="rect">
+            <a:avLst/>
+          </a:prstGeom>
+          <a:noFill/>
+          <a:ln>
+            <a:noFill/>
+          </a:ln>
+          <a:extLst>
+            <a:ext uri="{909E8E84-426E-40DD-AFC4-6F175D3DCCD1}">
+              <a14:hiddenFill xmlns:a14="http://schemas.microsoft.com/office/drawing/2010/main">
+                <a:solidFill>
+                  <a:schemeClr val="accent1"/>
+                </a:solidFill>
+              </a14:hiddenFill>
+            </a:ext>
+            <a:ext uri="{91240B29-F687-4F45-9708-019B960494DF}">
+              <a14:hiddenLine xmlns:a14="http://schemas.microsoft.com/office/drawing/2010/main" w="9525">
+                <a:solidFill>
+                  <a:schemeClr val="tx1"/>
+                </a:solidFill>
+                <a:miter lim="800000"/>
+                <a:headEnd/>
+                <a:tailEnd/>
+              </a14:hiddenLine>
+            </a:ext>
+          </a:extLst>
+        </p:spPr>
+      </p:pic>
+    </p:spTree>
+    <p:extLst>
+      <p:ext uri="{BB962C8B-B14F-4D97-AF65-F5344CB8AC3E}">
+        <p14:creationId xmlns:p14="http://schemas.microsoft.com/office/powerpoint/2010/main" val="2492153591"/>
+      </p:ext>
+    </p:extLst>
+  </p:cSld>
+  <p:clrMapOvr>
+    <a:masterClrMapping/>
+  </p:clrMapOvr>
+</p:sld>
+</file>
+
 <file path=ppt/slides/slide2.xml><?xml version="1.0" encoding="utf-8"?>
 <p:sld xmlns:a="http://schemas.openxmlformats.org/drawingml/2006/main" xmlns:r="http://schemas.openxmlformats.org/officeDocument/2006/relationships" xmlns:p="http://schemas.openxmlformats.org/presentationml/2006/main">
   <p:cSld>
@@ -8445,14 +8930,7 @@
                 <a:latin typeface="等线 Light" panose="02010600030101010101" pitchFamily="2" charset="-122"/>
                 <a:ea typeface="等线 Light" panose="02010600030101010101" pitchFamily="2" charset="-122"/>
               </a:rPr>
-              <a:t> </a:t>
-            </a:r>
-            <a:r>
-              <a:rPr lang="en-US" altLang="zh-CN" sz="1800" dirty="0" smtClean="0">
-                <a:latin typeface="等线 Light" panose="02010600030101010101" pitchFamily="2" charset="-122"/>
-                <a:ea typeface="等线 Light" panose="02010600030101010101" pitchFamily="2" charset="-122"/>
-              </a:rPr>
-              <a:t>jarReleaseClasses</a:t>
+              <a:t> jarReleaseClasses</a:t>
             </a:r>
           </a:p>
           <a:p>
